--- a/rapport/slides.pptx
+++ b/rapport/slides.pptx
@@ -3,15 +3,16 @@
 <p:presentation xmlns:a="http://schemas.openxmlformats.org/drawingml/2006/main" xmlns:p="http://schemas.openxmlformats.org/presentationml/2006/main" xmlns:r="http://schemas.openxmlformats.org/officeDocument/2006/relationships">
   <p:sldMasterIdLst>
     <p:sldMasterId id="2147483648" r:id="rId2"/>
+    <p:sldMasterId id="2147483661" r:id="rId3"/>
   </p:sldMasterIdLst>
   <p:sldIdLst>
-    <p:sldId id="256" r:id="rId3"/>
-    <p:sldId id="257" r:id="rId4"/>
-    <p:sldId id="258" r:id="rId5"/>
-    <p:sldId id="259" r:id="rId6"/>
-    <p:sldId id="260" r:id="rId7"/>
-    <p:sldId id="261" r:id="rId8"/>
-    <p:sldId id="262" r:id="rId9"/>
+    <p:sldId id="256" r:id="rId4"/>
+    <p:sldId id="257" r:id="rId5"/>
+    <p:sldId id="258" r:id="rId6"/>
+    <p:sldId id="259" r:id="rId7"/>
+    <p:sldId id="260" r:id="rId8"/>
+    <p:sldId id="261" r:id="rId9"/>
+    <p:sldId id="262" r:id="rId10"/>
   </p:sldIdLst>
   <p:sldSz cx="9144000" cy="6858000"/>
   <p:notesSz cx="7559675" cy="10691812"/>
@@ -59,7 +60,7 @@
       </p:grpSpPr>
       <p:sp>
         <p:nvSpPr>
-          <p:cNvPr id="26" name="PlaceHolder 1"/>
+          <p:cNvPr id="23" name="PlaceHolder 1"/>
           <p:cNvSpPr>
             <a:spLocks noGrp="1"/>
           </p:cNvSpPr>
@@ -70,7 +71,7 @@
         <p:spPr>
           <a:xfrm>
             <a:off x="685800" y="2130480"/>
-            <a:ext cx="7772040" cy="1469880"/>
+            <a:ext cx="7771680" cy="1469880"/>
           </a:xfrm>
           <a:prstGeom prst="rect">
             <a:avLst/>
@@ -79,13 +80,14 @@
         <p:txBody>
           <a:bodyPr anchor="ctr" bIns="0" lIns="0" rIns="0" tIns="0" wrap="none"/>
           <a:p>
-            <a:endParaRPr/>
-          </a:p>
-        </p:txBody>
-      </p:sp>
-      <p:sp>
-        <p:nvSpPr>
-          <p:cNvPr id="27" name="PlaceHolder 2"/>
+            <a:pPr algn="ctr"/>
+            <a:endParaRPr/>
+          </a:p>
+        </p:txBody>
+      </p:sp>
+      <p:sp>
+        <p:nvSpPr>
+          <p:cNvPr id="24" name="PlaceHolder 2"/>
           <p:cNvSpPr>
             <a:spLocks noGrp="1"/>
           </p:cNvSpPr>
@@ -96,33 +98,33 @@
         <p:spPr>
           <a:xfrm>
             <a:off x="457200" y="1604520"/>
-            <a:ext cx="8229240" cy="1896840"/>
-          </a:xfrm>
-          <a:prstGeom prst="rect">
-            <a:avLst/>
-          </a:prstGeom>
-        </p:spPr>
-        <p:txBody>
-          <a:bodyPr bIns="0" lIns="0" rIns="0" tIns="0" wrap="none"/>
-          <a:p>
-            <a:endParaRPr/>
-          </a:p>
-        </p:txBody>
-      </p:sp>
-      <p:sp>
-        <p:nvSpPr>
-          <p:cNvPr id="28" name="PlaceHolder 3"/>
-          <p:cNvSpPr>
-            <a:spLocks noGrp="1"/>
-          </p:cNvSpPr>
-          <p:nvPr>
-            <p:ph type="body"/>
-          </p:nvPr>
-        </p:nvSpPr>
-        <p:spPr>
-          <a:xfrm>
-            <a:off x="457200" y="3681720"/>
-            <a:ext cx="8229240" cy="1896840"/>
+            <a:ext cx="8228880" cy="1896480"/>
+          </a:xfrm>
+          <a:prstGeom prst="rect">
+            <a:avLst/>
+          </a:prstGeom>
+        </p:spPr>
+        <p:txBody>
+          <a:bodyPr bIns="0" lIns="0" rIns="0" tIns="0" wrap="none"/>
+          <a:p>
+            <a:endParaRPr/>
+          </a:p>
+        </p:txBody>
+      </p:sp>
+      <p:sp>
+        <p:nvSpPr>
+          <p:cNvPr id="25" name="PlaceHolder 3"/>
+          <p:cNvSpPr>
+            <a:spLocks noGrp="1"/>
+          </p:cNvSpPr>
+          <p:nvPr>
+            <p:ph type="body"/>
+          </p:nvPr>
+        </p:nvSpPr>
+        <p:spPr>
+          <a:xfrm>
+            <a:off x="457200" y="3681360"/>
+            <a:ext cx="8228880" cy="1896480"/>
           </a:xfrm>
           <a:prstGeom prst="rect">
             <a:avLst/>
@@ -159,7 +161,7 @@
       </p:grpSpPr>
       <p:sp>
         <p:nvSpPr>
-          <p:cNvPr id="29" name="PlaceHolder 1"/>
+          <p:cNvPr id="26" name="PlaceHolder 1"/>
           <p:cNvSpPr>
             <a:spLocks noGrp="1"/>
           </p:cNvSpPr>
@@ -170,7 +172,7 @@
         <p:spPr>
           <a:xfrm>
             <a:off x="685800" y="2130480"/>
-            <a:ext cx="7772040" cy="1469880"/>
+            <a:ext cx="7771680" cy="1469880"/>
           </a:xfrm>
           <a:prstGeom prst="rect">
             <a:avLst/>
@@ -179,13 +181,14 @@
         <p:txBody>
           <a:bodyPr anchor="ctr" bIns="0" lIns="0" rIns="0" tIns="0" wrap="none"/>
           <a:p>
-            <a:endParaRPr/>
-          </a:p>
-        </p:txBody>
-      </p:sp>
-      <p:sp>
-        <p:nvSpPr>
-          <p:cNvPr id="30" name="PlaceHolder 2"/>
+            <a:pPr algn="ctr"/>
+            <a:endParaRPr/>
+          </a:p>
+        </p:txBody>
+      </p:sp>
+      <p:sp>
+        <p:nvSpPr>
+          <p:cNvPr id="27" name="PlaceHolder 2"/>
           <p:cNvSpPr>
             <a:spLocks noGrp="1"/>
           </p:cNvSpPr>
@@ -196,22 +199,22 @@
         <p:spPr>
           <a:xfrm>
             <a:off x="457200" y="1604520"/>
-            <a:ext cx="4015440" cy="1896840"/>
-          </a:xfrm>
-          <a:prstGeom prst="rect">
-            <a:avLst/>
-          </a:prstGeom>
-        </p:spPr>
-        <p:txBody>
-          <a:bodyPr bIns="0" lIns="0" rIns="0" tIns="0" wrap="none"/>
-          <a:p>
-            <a:endParaRPr/>
-          </a:p>
-        </p:txBody>
-      </p:sp>
-      <p:sp>
-        <p:nvSpPr>
-          <p:cNvPr id="31" name="PlaceHolder 3"/>
+            <a:ext cx="4015440" cy="1896480"/>
+          </a:xfrm>
+          <a:prstGeom prst="rect">
+            <a:avLst/>
+          </a:prstGeom>
+        </p:spPr>
+        <p:txBody>
+          <a:bodyPr bIns="0" lIns="0" rIns="0" tIns="0" wrap="none"/>
+          <a:p>
+            <a:endParaRPr/>
+          </a:p>
+        </p:txBody>
+      </p:sp>
+      <p:sp>
+        <p:nvSpPr>
+          <p:cNvPr id="28" name="PlaceHolder 3"/>
           <p:cNvSpPr>
             <a:spLocks noGrp="1"/>
           </p:cNvSpPr>
@@ -222,59 +225,59 @@
         <p:spPr>
           <a:xfrm>
             <a:off x="4673520" y="1604520"/>
-            <a:ext cx="4015440" cy="1896840"/>
-          </a:xfrm>
-          <a:prstGeom prst="rect">
-            <a:avLst/>
-          </a:prstGeom>
-        </p:spPr>
-        <p:txBody>
-          <a:bodyPr bIns="0" lIns="0" rIns="0" tIns="0" wrap="none"/>
-          <a:p>
-            <a:endParaRPr/>
-          </a:p>
-        </p:txBody>
-      </p:sp>
-      <p:sp>
-        <p:nvSpPr>
-          <p:cNvPr id="32" name="PlaceHolder 4"/>
-          <p:cNvSpPr>
-            <a:spLocks noGrp="1"/>
-          </p:cNvSpPr>
-          <p:nvPr>
-            <p:ph type="body"/>
-          </p:nvPr>
-        </p:nvSpPr>
-        <p:spPr>
-          <a:xfrm>
-            <a:off x="4673520" y="3681720"/>
-            <a:ext cx="4015440" cy="1896840"/>
-          </a:xfrm>
-          <a:prstGeom prst="rect">
-            <a:avLst/>
-          </a:prstGeom>
-        </p:spPr>
-        <p:txBody>
-          <a:bodyPr bIns="0" lIns="0" rIns="0" tIns="0" wrap="none"/>
-          <a:p>
-            <a:endParaRPr/>
-          </a:p>
-        </p:txBody>
-      </p:sp>
-      <p:sp>
-        <p:nvSpPr>
-          <p:cNvPr id="33" name="PlaceHolder 5"/>
-          <p:cNvSpPr>
-            <a:spLocks noGrp="1"/>
-          </p:cNvSpPr>
-          <p:nvPr>
-            <p:ph type="body"/>
-          </p:nvPr>
-        </p:nvSpPr>
-        <p:spPr>
-          <a:xfrm>
-            <a:off x="457200" y="3681720"/>
-            <a:ext cx="4015440" cy="1896840"/>
+            <a:ext cx="4015440" cy="1896480"/>
+          </a:xfrm>
+          <a:prstGeom prst="rect">
+            <a:avLst/>
+          </a:prstGeom>
+        </p:spPr>
+        <p:txBody>
+          <a:bodyPr bIns="0" lIns="0" rIns="0" tIns="0" wrap="none"/>
+          <a:p>
+            <a:endParaRPr/>
+          </a:p>
+        </p:txBody>
+      </p:sp>
+      <p:sp>
+        <p:nvSpPr>
+          <p:cNvPr id="29" name="PlaceHolder 4"/>
+          <p:cNvSpPr>
+            <a:spLocks noGrp="1"/>
+          </p:cNvSpPr>
+          <p:nvPr>
+            <p:ph type="body"/>
+          </p:nvPr>
+        </p:nvSpPr>
+        <p:spPr>
+          <a:xfrm>
+            <a:off x="4673520" y="3681360"/>
+            <a:ext cx="4015440" cy="1896480"/>
+          </a:xfrm>
+          <a:prstGeom prst="rect">
+            <a:avLst/>
+          </a:prstGeom>
+        </p:spPr>
+        <p:txBody>
+          <a:bodyPr bIns="0" lIns="0" rIns="0" tIns="0" wrap="none"/>
+          <a:p>
+            <a:endParaRPr/>
+          </a:p>
+        </p:txBody>
+      </p:sp>
+      <p:sp>
+        <p:nvSpPr>
+          <p:cNvPr id="30" name="PlaceHolder 5"/>
+          <p:cNvSpPr>
+            <a:spLocks noGrp="1"/>
+          </p:cNvSpPr>
+          <p:nvPr>
+            <p:ph type="body"/>
+          </p:nvPr>
+        </p:nvSpPr>
+        <p:spPr>
+          <a:xfrm>
+            <a:off x="457200" y="3681360"/>
+            <a:ext cx="4015440" cy="1896480"/>
           </a:xfrm>
           <a:prstGeom prst="rect">
             <a:avLst/>
@@ -311,7 +314,7 @@
       </p:grpSpPr>
       <p:sp>
         <p:nvSpPr>
-          <p:cNvPr id="34" name="PlaceHolder 1"/>
+          <p:cNvPr id="31" name="PlaceHolder 1"/>
           <p:cNvSpPr>
             <a:spLocks noGrp="1"/>
           </p:cNvSpPr>
@@ -322,7 +325,7 @@
         <p:spPr>
           <a:xfrm>
             <a:off x="685800" y="2130480"/>
-            <a:ext cx="7772040" cy="1469880"/>
+            <a:ext cx="7771680" cy="1469880"/>
           </a:xfrm>
           <a:prstGeom prst="rect">
             <a:avLst/>
@@ -331,13 +334,14 @@
         <p:txBody>
           <a:bodyPr anchor="ctr" bIns="0" lIns="0" rIns="0" tIns="0" wrap="none"/>
           <a:p>
-            <a:endParaRPr/>
-          </a:p>
-        </p:txBody>
-      </p:sp>
-      <p:sp>
-        <p:nvSpPr>
-          <p:cNvPr id="35" name="PlaceHolder 2"/>
+            <a:pPr algn="ctr"/>
+            <a:endParaRPr/>
+          </a:p>
+        </p:txBody>
+      </p:sp>
+      <p:sp>
+        <p:nvSpPr>
+          <p:cNvPr id="32" name="PlaceHolder 2"/>
           <p:cNvSpPr>
             <a:spLocks noGrp="1"/>
           </p:cNvSpPr>
@@ -348,22 +352,22 @@
         <p:spPr>
           <a:xfrm>
             <a:off x="457200" y="1604520"/>
-            <a:ext cx="4015440" cy="1896840"/>
-          </a:xfrm>
-          <a:prstGeom prst="rect">
-            <a:avLst/>
-          </a:prstGeom>
-        </p:spPr>
-        <p:txBody>
-          <a:bodyPr bIns="0" lIns="0" rIns="0" tIns="0" wrap="none"/>
-          <a:p>
-            <a:endParaRPr/>
-          </a:p>
-        </p:txBody>
-      </p:sp>
-      <p:sp>
-        <p:nvSpPr>
-          <p:cNvPr id="36" name="PlaceHolder 3"/>
+            <a:ext cx="4015440" cy="1896480"/>
+          </a:xfrm>
+          <a:prstGeom prst="rect">
+            <a:avLst/>
+          </a:prstGeom>
+        </p:spPr>
+        <p:txBody>
+          <a:bodyPr bIns="0" lIns="0" rIns="0" tIns="0" wrap="none"/>
+          <a:p>
+            <a:endParaRPr/>
+          </a:p>
+        </p:txBody>
+      </p:sp>
+      <p:sp>
+        <p:nvSpPr>
+          <p:cNvPr id="33" name="PlaceHolder 3"/>
           <p:cNvSpPr>
             <a:spLocks noGrp="1"/>
           </p:cNvSpPr>
@@ -374,7 +378,7 @@
         <p:spPr>
           <a:xfrm>
             <a:off x="4673520" y="1604520"/>
-            <a:ext cx="4015440" cy="1896840"/>
+            <a:ext cx="4015440" cy="1896480"/>
           </a:xfrm>
           <a:prstGeom prst="rect">
             <a:avLst/>
@@ -389,7 +393,7 @@
       </p:sp>
       <p:pic>
         <p:nvPicPr>
-          <p:cNvPr descr="" id="37" name=""/>
+          <p:cNvPr descr="" id="34" name=""/>
           <p:cNvPicPr/>
           <p:nvPr/>
         </p:nvPicPr>
@@ -401,8 +405,8 @@
         </p:blipFill>
         <p:spPr>
           <a:xfrm>
-            <a:off x="5492520" y="3681360"/>
-            <a:ext cx="2377440" cy="1896840"/>
+            <a:off x="5492880" y="3681360"/>
+            <a:ext cx="2376720" cy="1896480"/>
           </a:xfrm>
           <a:prstGeom prst="rect">
             <a:avLst/>
@@ -414,7 +418,7 @@
       </p:pic>
       <p:pic>
         <p:nvPicPr>
-          <p:cNvPr descr="" id="38" name=""/>
+          <p:cNvPr descr="" id="35" name=""/>
           <p:cNvPicPr/>
           <p:nvPr/>
         </p:nvPicPr>
@@ -426,8 +430,8 @@
         </p:blipFill>
         <p:spPr>
           <a:xfrm>
-            <a:off x="1276200" y="3681360"/>
-            <a:ext cx="2377440" cy="1896840"/>
+            <a:off x="1276560" y="3681360"/>
+            <a:ext cx="2376720" cy="1896480"/>
           </a:xfrm>
           <a:prstGeom prst="rect">
             <a:avLst/>
@@ -437,6 +441,505 @@
           </a:ln>
         </p:spPr>
       </p:pic>
+    </p:spTree>
+  </p:cSld>
+</p:sldLayout>
+</file>
+
+<file path=ppt/slideLayouts/slideLayout13.xml><?xml version="1.0" encoding="utf-8"?>
+<p:sldLayout xmlns:a="http://schemas.openxmlformats.org/drawingml/2006/main" xmlns:p="http://schemas.openxmlformats.org/presentationml/2006/main" xmlns:r="http://schemas.openxmlformats.org/officeDocument/2006/relationships" preserve="1" type="blank">
+  <p:cSld name="Blank Slide">
+    <p:spTree>
+      <p:nvGrpSpPr>
+        <p:cNvPr id="1" name=""/>
+        <p:cNvGrpSpPr/>
+        <p:nvPr/>
+      </p:nvGrpSpPr>
+      <p:grpSpPr>
+        <a:xfrm>
+          <a:off x="0" y="0"/>
+          <a:ext cx="0" cy="0"/>
+          <a:chOff x="0" y="0"/>
+          <a:chExt cx="0" cy="0"/>
+        </a:xfrm>
+      </p:grpSpPr>
+    </p:spTree>
+  </p:cSld>
+</p:sldLayout>
+</file>
+
+<file path=ppt/slideLayouts/slideLayout14.xml><?xml version="1.0" encoding="utf-8"?>
+<p:sldLayout xmlns:a="http://schemas.openxmlformats.org/drawingml/2006/main" xmlns:p="http://schemas.openxmlformats.org/presentationml/2006/main" xmlns:r="http://schemas.openxmlformats.org/officeDocument/2006/relationships" preserve="1" type="tx">
+  <p:cSld name="Title Slide">
+    <p:spTree>
+      <p:nvGrpSpPr>
+        <p:cNvPr id="1" name=""/>
+        <p:cNvGrpSpPr/>
+        <p:nvPr/>
+      </p:nvGrpSpPr>
+      <p:grpSpPr>
+        <a:xfrm>
+          <a:off x="0" y="0"/>
+          <a:ext cx="0" cy="0"/>
+          <a:chOff x="0" y="0"/>
+          <a:chExt cx="0" cy="0"/>
+        </a:xfrm>
+      </p:grpSpPr>
+      <p:sp>
+        <p:nvSpPr>
+          <p:cNvPr id="38" name="PlaceHolder 1"/>
+          <p:cNvSpPr>
+            <a:spLocks noGrp="1"/>
+          </p:cNvSpPr>
+          <p:nvPr>
+            <p:ph type="title"/>
+          </p:nvPr>
+        </p:nvSpPr>
+        <p:spPr>
+          <a:xfrm>
+            <a:off x="685800" y="2130480"/>
+            <a:ext cx="7771680" cy="1469880"/>
+          </a:xfrm>
+          <a:prstGeom prst="rect">
+            <a:avLst/>
+          </a:prstGeom>
+        </p:spPr>
+        <p:txBody>
+          <a:bodyPr anchor="ctr" bIns="0" lIns="0" rIns="0" tIns="0" wrap="none"/>
+          <a:p>
+            <a:pPr algn="ctr"/>
+            <a:endParaRPr/>
+          </a:p>
+        </p:txBody>
+      </p:sp>
+      <p:sp>
+        <p:nvSpPr>
+          <p:cNvPr id="39" name="PlaceHolder 2"/>
+          <p:cNvSpPr>
+            <a:spLocks noGrp="1"/>
+          </p:cNvSpPr>
+          <p:nvPr>
+            <p:ph type="subTitle"/>
+          </p:nvPr>
+        </p:nvSpPr>
+        <p:spPr>
+          <a:xfrm>
+            <a:off x="457200" y="1604520"/>
+            <a:ext cx="8228880" cy="3977280"/>
+          </a:xfrm>
+          <a:prstGeom prst="rect">
+            <a:avLst/>
+          </a:prstGeom>
+        </p:spPr>
+        <p:txBody>
+          <a:bodyPr anchor="ctr" bIns="0" lIns="0" rIns="0" tIns="0" wrap="none"/>
+          <a:p>
+            <a:pPr algn="ctr"/>
+            <a:endParaRPr/>
+          </a:p>
+        </p:txBody>
+      </p:sp>
+    </p:spTree>
+  </p:cSld>
+</p:sldLayout>
+</file>
+
+<file path=ppt/slideLayouts/slideLayout15.xml><?xml version="1.0" encoding="utf-8"?>
+<p:sldLayout xmlns:a="http://schemas.openxmlformats.org/drawingml/2006/main" xmlns:p="http://schemas.openxmlformats.org/presentationml/2006/main" xmlns:r="http://schemas.openxmlformats.org/officeDocument/2006/relationships" preserve="1" type="obj">
+  <p:cSld name="Title, Content">
+    <p:spTree>
+      <p:nvGrpSpPr>
+        <p:cNvPr id="1" name=""/>
+        <p:cNvGrpSpPr/>
+        <p:nvPr/>
+      </p:nvGrpSpPr>
+      <p:grpSpPr>
+        <a:xfrm>
+          <a:off x="0" y="0"/>
+          <a:ext cx="0" cy="0"/>
+          <a:chOff x="0" y="0"/>
+          <a:chExt cx="0" cy="0"/>
+        </a:xfrm>
+      </p:grpSpPr>
+      <p:sp>
+        <p:nvSpPr>
+          <p:cNvPr id="40" name="PlaceHolder 1"/>
+          <p:cNvSpPr>
+            <a:spLocks noGrp="1"/>
+          </p:cNvSpPr>
+          <p:nvPr>
+            <p:ph type="title"/>
+          </p:nvPr>
+        </p:nvSpPr>
+        <p:spPr>
+          <a:xfrm>
+            <a:off x="685800" y="2130480"/>
+            <a:ext cx="7771680" cy="1469880"/>
+          </a:xfrm>
+          <a:prstGeom prst="rect">
+            <a:avLst/>
+          </a:prstGeom>
+        </p:spPr>
+        <p:txBody>
+          <a:bodyPr anchor="ctr" bIns="0" lIns="0" rIns="0" tIns="0" wrap="none"/>
+          <a:p>
+            <a:pPr algn="ctr"/>
+            <a:endParaRPr/>
+          </a:p>
+        </p:txBody>
+      </p:sp>
+      <p:sp>
+        <p:nvSpPr>
+          <p:cNvPr id="41" name="PlaceHolder 2"/>
+          <p:cNvSpPr>
+            <a:spLocks noGrp="1"/>
+          </p:cNvSpPr>
+          <p:nvPr>
+            <p:ph type="body"/>
+          </p:nvPr>
+        </p:nvSpPr>
+        <p:spPr>
+          <a:xfrm>
+            <a:off x="457200" y="1604520"/>
+            <a:ext cx="8228880" cy="3976920"/>
+          </a:xfrm>
+          <a:prstGeom prst="rect">
+            <a:avLst/>
+          </a:prstGeom>
+        </p:spPr>
+        <p:txBody>
+          <a:bodyPr bIns="0" lIns="0" rIns="0" tIns="0" wrap="none"/>
+          <a:p>
+            <a:endParaRPr/>
+          </a:p>
+        </p:txBody>
+      </p:sp>
+    </p:spTree>
+  </p:cSld>
+</p:sldLayout>
+</file>
+
+<file path=ppt/slideLayouts/slideLayout16.xml><?xml version="1.0" encoding="utf-8"?>
+<p:sldLayout xmlns:a="http://schemas.openxmlformats.org/drawingml/2006/main" xmlns:p="http://schemas.openxmlformats.org/presentationml/2006/main" xmlns:r="http://schemas.openxmlformats.org/officeDocument/2006/relationships" preserve="1" type="twoObj">
+  <p:cSld name="Title, 2 Content">
+    <p:spTree>
+      <p:nvGrpSpPr>
+        <p:cNvPr id="1" name=""/>
+        <p:cNvGrpSpPr/>
+        <p:nvPr/>
+      </p:nvGrpSpPr>
+      <p:grpSpPr>
+        <a:xfrm>
+          <a:off x="0" y="0"/>
+          <a:ext cx="0" cy="0"/>
+          <a:chOff x="0" y="0"/>
+          <a:chExt cx="0" cy="0"/>
+        </a:xfrm>
+      </p:grpSpPr>
+      <p:sp>
+        <p:nvSpPr>
+          <p:cNvPr id="42" name="PlaceHolder 1"/>
+          <p:cNvSpPr>
+            <a:spLocks noGrp="1"/>
+          </p:cNvSpPr>
+          <p:nvPr>
+            <p:ph type="title"/>
+          </p:nvPr>
+        </p:nvSpPr>
+        <p:spPr>
+          <a:xfrm>
+            <a:off x="685800" y="2130480"/>
+            <a:ext cx="7771680" cy="1469880"/>
+          </a:xfrm>
+          <a:prstGeom prst="rect">
+            <a:avLst/>
+          </a:prstGeom>
+        </p:spPr>
+        <p:txBody>
+          <a:bodyPr anchor="ctr" bIns="0" lIns="0" rIns="0" tIns="0" wrap="none"/>
+          <a:p>
+            <a:pPr algn="ctr"/>
+            <a:endParaRPr/>
+          </a:p>
+        </p:txBody>
+      </p:sp>
+      <p:sp>
+        <p:nvSpPr>
+          <p:cNvPr id="43" name="PlaceHolder 2"/>
+          <p:cNvSpPr>
+            <a:spLocks noGrp="1"/>
+          </p:cNvSpPr>
+          <p:nvPr>
+            <p:ph type="body"/>
+          </p:nvPr>
+        </p:nvSpPr>
+        <p:spPr>
+          <a:xfrm>
+            <a:off x="457200" y="1604520"/>
+            <a:ext cx="4015440" cy="3976920"/>
+          </a:xfrm>
+          <a:prstGeom prst="rect">
+            <a:avLst/>
+          </a:prstGeom>
+        </p:spPr>
+        <p:txBody>
+          <a:bodyPr bIns="0" lIns="0" rIns="0" tIns="0" wrap="none"/>
+          <a:p>
+            <a:endParaRPr/>
+          </a:p>
+        </p:txBody>
+      </p:sp>
+      <p:sp>
+        <p:nvSpPr>
+          <p:cNvPr id="44" name="PlaceHolder 3"/>
+          <p:cNvSpPr>
+            <a:spLocks noGrp="1"/>
+          </p:cNvSpPr>
+          <p:nvPr>
+            <p:ph type="body"/>
+          </p:nvPr>
+        </p:nvSpPr>
+        <p:spPr>
+          <a:xfrm>
+            <a:off x="4673520" y="1604520"/>
+            <a:ext cx="4015440" cy="3976920"/>
+          </a:xfrm>
+          <a:prstGeom prst="rect">
+            <a:avLst/>
+          </a:prstGeom>
+        </p:spPr>
+        <p:txBody>
+          <a:bodyPr bIns="0" lIns="0" rIns="0" tIns="0" wrap="none"/>
+          <a:p>
+            <a:endParaRPr/>
+          </a:p>
+        </p:txBody>
+      </p:sp>
+    </p:spTree>
+  </p:cSld>
+</p:sldLayout>
+</file>
+
+<file path=ppt/slideLayouts/slideLayout17.xml><?xml version="1.0" encoding="utf-8"?>
+<p:sldLayout xmlns:a="http://schemas.openxmlformats.org/drawingml/2006/main" xmlns:p="http://schemas.openxmlformats.org/presentationml/2006/main" xmlns:r="http://schemas.openxmlformats.org/officeDocument/2006/relationships" preserve="1" type="titleOnly">
+  <p:cSld name="Title Only">
+    <p:spTree>
+      <p:nvGrpSpPr>
+        <p:cNvPr id="1" name=""/>
+        <p:cNvGrpSpPr/>
+        <p:nvPr/>
+      </p:nvGrpSpPr>
+      <p:grpSpPr>
+        <a:xfrm>
+          <a:off x="0" y="0"/>
+          <a:ext cx="0" cy="0"/>
+          <a:chOff x="0" y="0"/>
+          <a:chExt cx="0" cy="0"/>
+        </a:xfrm>
+      </p:grpSpPr>
+      <p:sp>
+        <p:nvSpPr>
+          <p:cNvPr id="45" name="PlaceHolder 1"/>
+          <p:cNvSpPr>
+            <a:spLocks noGrp="1"/>
+          </p:cNvSpPr>
+          <p:nvPr>
+            <p:ph type="title"/>
+          </p:nvPr>
+        </p:nvSpPr>
+        <p:spPr>
+          <a:xfrm>
+            <a:off x="685800" y="2130480"/>
+            <a:ext cx="7771680" cy="1469880"/>
+          </a:xfrm>
+          <a:prstGeom prst="rect">
+            <a:avLst/>
+          </a:prstGeom>
+        </p:spPr>
+        <p:txBody>
+          <a:bodyPr anchor="ctr" bIns="0" lIns="0" rIns="0" tIns="0" wrap="none"/>
+          <a:p>
+            <a:pPr algn="ctr"/>
+            <a:endParaRPr/>
+          </a:p>
+        </p:txBody>
+      </p:sp>
+    </p:spTree>
+  </p:cSld>
+</p:sldLayout>
+</file>
+
+<file path=ppt/slideLayouts/slideLayout18.xml><?xml version="1.0" encoding="utf-8"?>
+<p:sldLayout xmlns:a="http://schemas.openxmlformats.org/drawingml/2006/main" xmlns:p="http://schemas.openxmlformats.org/presentationml/2006/main" xmlns:r="http://schemas.openxmlformats.org/officeDocument/2006/relationships" preserve="1" type="objOnly">
+  <p:cSld name="Centered Text">
+    <p:spTree>
+      <p:nvGrpSpPr>
+        <p:cNvPr id="1" name=""/>
+        <p:cNvGrpSpPr/>
+        <p:nvPr/>
+      </p:nvGrpSpPr>
+      <p:grpSpPr>
+        <a:xfrm>
+          <a:off x="0" y="0"/>
+          <a:ext cx="0" cy="0"/>
+          <a:chOff x="0" y="0"/>
+          <a:chExt cx="0" cy="0"/>
+        </a:xfrm>
+      </p:grpSpPr>
+      <p:sp>
+        <p:nvSpPr>
+          <p:cNvPr id="46" name="PlaceHolder 1"/>
+          <p:cNvSpPr>
+            <a:spLocks noGrp="1"/>
+          </p:cNvSpPr>
+          <p:nvPr>
+            <p:ph type="subTitle"/>
+          </p:nvPr>
+        </p:nvSpPr>
+        <p:spPr>
+          <a:xfrm>
+            <a:off x="685800" y="2130480"/>
+            <a:ext cx="7771680" cy="3450960"/>
+          </a:xfrm>
+          <a:prstGeom prst="rect">
+            <a:avLst/>
+          </a:prstGeom>
+        </p:spPr>
+        <p:txBody>
+          <a:bodyPr anchor="ctr" bIns="0" lIns="0" rIns="0" tIns="0" wrap="none"/>
+          <a:p>
+            <a:pPr algn="ctr"/>
+            <a:endParaRPr/>
+          </a:p>
+        </p:txBody>
+      </p:sp>
+    </p:spTree>
+  </p:cSld>
+</p:sldLayout>
+</file>
+
+<file path=ppt/slideLayouts/slideLayout19.xml><?xml version="1.0" encoding="utf-8"?>
+<p:sldLayout xmlns:a="http://schemas.openxmlformats.org/drawingml/2006/main" xmlns:p="http://schemas.openxmlformats.org/presentationml/2006/main" xmlns:r="http://schemas.openxmlformats.org/officeDocument/2006/relationships" preserve="1" type="twoObjAndObj">
+  <p:cSld name="Title, 2 Content and Content">
+    <p:spTree>
+      <p:nvGrpSpPr>
+        <p:cNvPr id="1" name=""/>
+        <p:cNvGrpSpPr/>
+        <p:nvPr/>
+      </p:nvGrpSpPr>
+      <p:grpSpPr>
+        <a:xfrm>
+          <a:off x="0" y="0"/>
+          <a:ext cx="0" cy="0"/>
+          <a:chOff x="0" y="0"/>
+          <a:chExt cx="0" cy="0"/>
+        </a:xfrm>
+      </p:grpSpPr>
+      <p:sp>
+        <p:nvSpPr>
+          <p:cNvPr id="47" name="PlaceHolder 1"/>
+          <p:cNvSpPr>
+            <a:spLocks noGrp="1"/>
+          </p:cNvSpPr>
+          <p:nvPr>
+            <p:ph type="title"/>
+          </p:nvPr>
+        </p:nvSpPr>
+        <p:spPr>
+          <a:xfrm>
+            <a:off x="685800" y="2130480"/>
+            <a:ext cx="7771680" cy="1469880"/>
+          </a:xfrm>
+          <a:prstGeom prst="rect">
+            <a:avLst/>
+          </a:prstGeom>
+        </p:spPr>
+        <p:txBody>
+          <a:bodyPr anchor="ctr" bIns="0" lIns="0" rIns="0" tIns="0" wrap="none"/>
+          <a:p>
+            <a:pPr algn="ctr"/>
+            <a:endParaRPr/>
+          </a:p>
+        </p:txBody>
+      </p:sp>
+      <p:sp>
+        <p:nvSpPr>
+          <p:cNvPr id="48" name="PlaceHolder 2"/>
+          <p:cNvSpPr>
+            <a:spLocks noGrp="1"/>
+          </p:cNvSpPr>
+          <p:nvPr>
+            <p:ph type="body"/>
+          </p:nvPr>
+        </p:nvSpPr>
+        <p:spPr>
+          <a:xfrm>
+            <a:off x="457200" y="1604520"/>
+            <a:ext cx="4015440" cy="1896480"/>
+          </a:xfrm>
+          <a:prstGeom prst="rect">
+            <a:avLst/>
+          </a:prstGeom>
+        </p:spPr>
+        <p:txBody>
+          <a:bodyPr bIns="0" lIns="0" rIns="0" tIns="0" wrap="none"/>
+          <a:p>
+            <a:endParaRPr/>
+          </a:p>
+        </p:txBody>
+      </p:sp>
+      <p:sp>
+        <p:nvSpPr>
+          <p:cNvPr id="49" name="PlaceHolder 3"/>
+          <p:cNvSpPr>
+            <a:spLocks noGrp="1"/>
+          </p:cNvSpPr>
+          <p:nvPr>
+            <p:ph type="body"/>
+          </p:nvPr>
+        </p:nvSpPr>
+        <p:spPr>
+          <a:xfrm>
+            <a:off x="457200" y="3681360"/>
+            <a:ext cx="4015440" cy="1896480"/>
+          </a:xfrm>
+          <a:prstGeom prst="rect">
+            <a:avLst/>
+          </a:prstGeom>
+        </p:spPr>
+        <p:txBody>
+          <a:bodyPr bIns="0" lIns="0" rIns="0" tIns="0" wrap="none"/>
+          <a:p>
+            <a:endParaRPr/>
+          </a:p>
+        </p:txBody>
+      </p:sp>
+      <p:sp>
+        <p:nvSpPr>
+          <p:cNvPr id="50" name="PlaceHolder 4"/>
+          <p:cNvSpPr>
+            <a:spLocks noGrp="1"/>
+          </p:cNvSpPr>
+          <p:nvPr>
+            <p:ph type="body"/>
+          </p:nvPr>
+        </p:nvSpPr>
+        <p:spPr>
+          <a:xfrm>
+            <a:off x="4673520" y="1604520"/>
+            <a:ext cx="4015440" cy="3976920"/>
+          </a:xfrm>
+          <a:prstGeom prst="rect">
+            <a:avLst/>
+          </a:prstGeom>
+        </p:spPr>
+        <p:txBody>
+          <a:bodyPr bIns="0" lIns="0" rIns="0" tIns="0" wrap="none"/>
+          <a:p>
+            <a:endParaRPr/>
+          </a:p>
+        </p:txBody>
+      </p:sp>
     </p:spTree>
   </p:cSld>
 </p:sldLayout>
@@ -461,7 +964,7 @@
       </p:grpSpPr>
       <p:sp>
         <p:nvSpPr>
-          <p:cNvPr id="5" name="PlaceHolder 1"/>
+          <p:cNvPr id="2" name="PlaceHolder 1"/>
           <p:cNvSpPr>
             <a:spLocks noGrp="1"/>
           </p:cNvSpPr>
@@ -472,7 +975,7 @@
         <p:spPr>
           <a:xfrm>
             <a:off x="685800" y="2130480"/>
-            <a:ext cx="7772040" cy="1469880"/>
+            <a:ext cx="7771680" cy="1469880"/>
           </a:xfrm>
           <a:prstGeom prst="rect">
             <a:avLst/>
@@ -481,13 +984,14 @@
         <p:txBody>
           <a:bodyPr anchor="ctr" bIns="0" lIns="0" rIns="0" tIns="0" wrap="none"/>
           <a:p>
-            <a:endParaRPr/>
-          </a:p>
-        </p:txBody>
-      </p:sp>
-      <p:sp>
-        <p:nvSpPr>
-          <p:cNvPr id="6" name="PlaceHolder 2"/>
+            <a:pPr algn="ctr"/>
+            <a:endParaRPr/>
+          </a:p>
+        </p:txBody>
+      </p:sp>
+      <p:sp>
+        <p:nvSpPr>
+          <p:cNvPr id="3" name="PlaceHolder 2"/>
           <p:cNvSpPr>
             <a:spLocks noGrp="1"/>
           </p:cNvSpPr>
@@ -498,7 +1002,7 @@
         <p:spPr>
           <a:xfrm>
             <a:off x="457200" y="1604520"/>
-            <a:ext cx="8229240" cy="3977640"/>
+            <a:ext cx="8228880" cy="3977280"/>
           </a:xfrm>
           <a:prstGeom prst="rect">
             <a:avLst/>
@@ -512,6 +1016,665 @@
           </a:p>
         </p:txBody>
       </p:sp>
+    </p:spTree>
+  </p:cSld>
+</p:sldLayout>
+</file>
+
+<file path=ppt/slideLayouts/slideLayout20.xml><?xml version="1.0" encoding="utf-8"?>
+<p:sldLayout xmlns:a="http://schemas.openxmlformats.org/drawingml/2006/main" xmlns:p="http://schemas.openxmlformats.org/presentationml/2006/main" xmlns:r="http://schemas.openxmlformats.org/officeDocument/2006/relationships" preserve="1" type="objAndTwoObj">
+  <p:cSld name="Title Content and 2 Content">
+    <p:spTree>
+      <p:nvGrpSpPr>
+        <p:cNvPr id="1" name=""/>
+        <p:cNvGrpSpPr/>
+        <p:nvPr/>
+      </p:nvGrpSpPr>
+      <p:grpSpPr>
+        <a:xfrm>
+          <a:off x="0" y="0"/>
+          <a:ext cx="0" cy="0"/>
+          <a:chOff x="0" y="0"/>
+          <a:chExt cx="0" cy="0"/>
+        </a:xfrm>
+      </p:grpSpPr>
+      <p:sp>
+        <p:nvSpPr>
+          <p:cNvPr id="51" name="PlaceHolder 1"/>
+          <p:cNvSpPr>
+            <a:spLocks noGrp="1"/>
+          </p:cNvSpPr>
+          <p:nvPr>
+            <p:ph type="title"/>
+          </p:nvPr>
+        </p:nvSpPr>
+        <p:spPr>
+          <a:xfrm>
+            <a:off x="685800" y="2130480"/>
+            <a:ext cx="7771680" cy="1469880"/>
+          </a:xfrm>
+          <a:prstGeom prst="rect">
+            <a:avLst/>
+          </a:prstGeom>
+        </p:spPr>
+        <p:txBody>
+          <a:bodyPr anchor="ctr" bIns="0" lIns="0" rIns="0" tIns="0" wrap="none"/>
+          <a:p>
+            <a:pPr algn="ctr"/>
+            <a:endParaRPr/>
+          </a:p>
+        </p:txBody>
+      </p:sp>
+      <p:sp>
+        <p:nvSpPr>
+          <p:cNvPr id="52" name="PlaceHolder 2"/>
+          <p:cNvSpPr>
+            <a:spLocks noGrp="1"/>
+          </p:cNvSpPr>
+          <p:nvPr>
+            <p:ph type="body"/>
+          </p:nvPr>
+        </p:nvSpPr>
+        <p:spPr>
+          <a:xfrm>
+            <a:off x="457200" y="1604520"/>
+            <a:ext cx="4015440" cy="3976920"/>
+          </a:xfrm>
+          <a:prstGeom prst="rect">
+            <a:avLst/>
+          </a:prstGeom>
+        </p:spPr>
+        <p:txBody>
+          <a:bodyPr bIns="0" lIns="0" rIns="0" tIns="0" wrap="none"/>
+          <a:p>
+            <a:endParaRPr/>
+          </a:p>
+        </p:txBody>
+      </p:sp>
+      <p:sp>
+        <p:nvSpPr>
+          <p:cNvPr id="53" name="PlaceHolder 3"/>
+          <p:cNvSpPr>
+            <a:spLocks noGrp="1"/>
+          </p:cNvSpPr>
+          <p:nvPr>
+            <p:ph type="body"/>
+          </p:nvPr>
+        </p:nvSpPr>
+        <p:spPr>
+          <a:xfrm>
+            <a:off x="4673520" y="1604520"/>
+            <a:ext cx="4015440" cy="1896480"/>
+          </a:xfrm>
+          <a:prstGeom prst="rect">
+            <a:avLst/>
+          </a:prstGeom>
+        </p:spPr>
+        <p:txBody>
+          <a:bodyPr bIns="0" lIns="0" rIns="0" tIns="0" wrap="none"/>
+          <a:p>
+            <a:endParaRPr/>
+          </a:p>
+        </p:txBody>
+      </p:sp>
+      <p:sp>
+        <p:nvSpPr>
+          <p:cNvPr id="54" name="PlaceHolder 4"/>
+          <p:cNvSpPr>
+            <a:spLocks noGrp="1"/>
+          </p:cNvSpPr>
+          <p:nvPr>
+            <p:ph type="body"/>
+          </p:nvPr>
+        </p:nvSpPr>
+        <p:spPr>
+          <a:xfrm>
+            <a:off x="4673520" y="3681360"/>
+            <a:ext cx="4015440" cy="1896480"/>
+          </a:xfrm>
+          <a:prstGeom prst="rect">
+            <a:avLst/>
+          </a:prstGeom>
+        </p:spPr>
+        <p:txBody>
+          <a:bodyPr bIns="0" lIns="0" rIns="0" tIns="0" wrap="none"/>
+          <a:p>
+            <a:endParaRPr/>
+          </a:p>
+        </p:txBody>
+      </p:sp>
+    </p:spTree>
+  </p:cSld>
+</p:sldLayout>
+</file>
+
+<file path=ppt/slideLayouts/slideLayout21.xml><?xml version="1.0" encoding="utf-8"?>
+<p:sldLayout xmlns:a="http://schemas.openxmlformats.org/drawingml/2006/main" xmlns:p="http://schemas.openxmlformats.org/presentationml/2006/main" xmlns:r="http://schemas.openxmlformats.org/officeDocument/2006/relationships" preserve="1" type="twoObjOverTx">
+  <p:cSld name="Title, 2 Content over Content">
+    <p:spTree>
+      <p:nvGrpSpPr>
+        <p:cNvPr id="1" name=""/>
+        <p:cNvGrpSpPr/>
+        <p:nvPr/>
+      </p:nvGrpSpPr>
+      <p:grpSpPr>
+        <a:xfrm>
+          <a:off x="0" y="0"/>
+          <a:ext cx="0" cy="0"/>
+          <a:chOff x="0" y="0"/>
+          <a:chExt cx="0" cy="0"/>
+        </a:xfrm>
+      </p:grpSpPr>
+      <p:sp>
+        <p:nvSpPr>
+          <p:cNvPr id="55" name="PlaceHolder 1"/>
+          <p:cNvSpPr>
+            <a:spLocks noGrp="1"/>
+          </p:cNvSpPr>
+          <p:nvPr>
+            <p:ph type="title"/>
+          </p:nvPr>
+        </p:nvSpPr>
+        <p:spPr>
+          <a:xfrm>
+            <a:off x="685800" y="2130480"/>
+            <a:ext cx="7771680" cy="1469880"/>
+          </a:xfrm>
+          <a:prstGeom prst="rect">
+            <a:avLst/>
+          </a:prstGeom>
+        </p:spPr>
+        <p:txBody>
+          <a:bodyPr anchor="ctr" bIns="0" lIns="0" rIns="0" tIns="0" wrap="none"/>
+          <a:p>
+            <a:pPr algn="ctr"/>
+            <a:endParaRPr/>
+          </a:p>
+        </p:txBody>
+      </p:sp>
+      <p:sp>
+        <p:nvSpPr>
+          <p:cNvPr id="56" name="PlaceHolder 2"/>
+          <p:cNvSpPr>
+            <a:spLocks noGrp="1"/>
+          </p:cNvSpPr>
+          <p:nvPr>
+            <p:ph type="body"/>
+          </p:nvPr>
+        </p:nvSpPr>
+        <p:spPr>
+          <a:xfrm>
+            <a:off x="457200" y="1604520"/>
+            <a:ext cx="4015440" cy="1896480"/>
+          </a:xfrm>
+          <a:prstGeom prst="rect">
+            <a:avLst/>
+          </a:prstGeom>
+        </p:spPr>
+        <p:txBody>
+          <a:bodyPr bIns="0" lIns="0" rIns="0" tIns="0" wrap="none"/>
+          <a:p>
+            <a:endParaRPr/>
+          </a:p>
+        </p:txBody>
+      </p:sp>
+      <p:sp>
+        <p:nvSpPr>
+          <p:cNvPr id="57" name="PlaceHolder 3"/>
+          <p:cNvSpPr>
+            <a:spLocks noGrp="1"/>
+          </p:cNvSpPr>
+          <p:nvPr>
+            <p:ph type="body"/>
+          </p:nvPr>
+        </p:nvSpPr>
+        <p:spPr>
+          <a:xfrm>
+            <a:off x="4673520" y="1604520"/>
+            <a:ext cx="4015440" cy="1896480"/>
+          </a:xfrm>
+          <a:prstGeom prst="rect">
+            <a:avLst/>
+          </a:prstGeom>
+        </p:spPr>
+        <p:txBody>
+          <a:bodyPr bIns="0" lIns="0" rIns="0" tIns="0" wrap="none"/>
+          <a:p>
+            <a:endParaRPr/>
+          </a:p>
+        </p:txBody>
+      </p:sp>
+      <p:sp>
+        <p:nvSpPr>
+          <p:cNvPr id="58" name="PlaceHolder 4"/>
+          <p:cNvSpPr>
+            <a:spLocks noGrp="1"/>
+          </p:cNvSpPr>
+          <p:nvPr>
+            <p:ph type="body"/>
+          </p:nvPr>
+        </p:nvSpPr>
+        <p:spPr>
+          <a:xfrm>
+            <a:off x="457200" y="3681360"/>
+            <a:ext cx="8228520" cy="1896480"/>
+          </a:xfrm>
+          <a:prstGeom prst="rect">
+            <a:avLst/>
+          </a:prstGeom>
+        </p:spPr>
+        <p:txBody>
+          <a:bodyPr bIns="0" lIns="0" rIns="0" tIns="0" wrap="none"/>
+          <a:p>
+            <a:endParaRPr/>
+          </a:p>
+        </p:txBody>
+      </p:sp>
+    </p:spTree>
+  </p:cSld>
+</p:sldLayout>
+</file>
+
+<file path=ppt/slideLayouts/slideLayout22.xml><?xml version="1.0" encoding="utf-8"?>
+<p:sldLayout xmlns:a="http://schemas.openxmlformats.org/drawingml/2006/main" xmlns:p="http://schemas.openxmlformats.org/presentationml/2006/main" xmlns:r="http://schemas.openxmlformats.org/officeDocument/2006/relationships" preserve="1" type="objOverTx">
+  <p:cSld name="Title, Content over Content">
+    <p:spTree>
+      <p:nvGrpSpPr>
+        <p:cNvPr id="1" name=""/>
+        <p:cNvGrpSpPr/>
+        <p:nvPr/>
+      </p:nvGrpSpPr>
+      <p:grpSpPr>
+        <a:xfrm>
+          <a:off x="0" y="0"/>
+          <a:ext cx="0" cy="0"/>
+          <a:chOff x="0" y="0"/>
+          <a:chExt cx="0" cy="0"/>
+        </a:xfrm>
+      </p:grpSpPr>
+      <p:sp>
+        <p:nvSpPr>
+          <p:cNvPr id="59" name="PlaceHolder 1"/>
+          <p:cNvSpPr>
+            <a:spLocks noGrp="1"/>
+          </p:cNvSpPr>
+          <p:nvPr>
+            <p:ph type="title"/>
+          </p:nvPr>
+        </p:nvSpPr>
+        <p:spPr>
+          <a:xfrm>
+            <a:off x="685800" y="2130480"/>
+            <a:ext cx="7771680" cy="1469880"/>
+          </a:xfrm>
+          <a:prstGeom prst="rect">
+            <a:avLst/>
+          </a:prstGeom>
+        </p:spPr>
+        <p:txBody>
+          <a:bodyPr anchor="ctr" bIns="0" lIns="0" rIns="0" tIns="0" wrap="none"/>
+          <a:p>
+            <a:pPr algn="ctr"/>
+            <a:endParaRPr/>
+          </a:p>
+        </p:txBody>
+      </p:sp>
+      <p:sp>
+        <p:nvSpPr>
+          <p:cNvPr id="60" name="PlaceHolder 2"/>
+          <p:cNvSpPr>
+            <a:spLocks noGrp="1"/>
+          </p:cNvSpPr>
+          <p:nvPr>
+            <p:ph type="body"/>
+          </p:nvPr>
+        </p:nvSpPr>
+        <p:spPr>
+          <a:xfrm>
+            <a:off x="457200" y="1604520"/>
+            <a:ext cx="8228880" cy="1896480"/>
+          </a:xfrm>
+          <a:prstGeom prst="rect">
+            <a:avLst/>
+          </a:prstGeom>
+        </p:spPr>
+        <p:txBody>
+          <a:bodyPr bIns="0" lIns="0" rIns="0" tIns="0" wrap="none"/>
+          <a:p>
+            <a:endParaRPr/>
+          </a:p>
+        </p:txBody>
+      </p:sp>
+      <p:sp>
+        <p:nvSpPr>
+          <p:cNvPr id="61" name="PlaceHolder 3"/>
+          <p:cNvSpPr>
+            <a:spLocks noGrp="1"/>
+          </p:cNvSpPr>
+          <p:nvPr>
+            <p:ph type="body"/>
+          </p:nvPr>
+        </p:nvSpPr>
+        <p:spPr>
+          <a:xfrm>
+            <a:off x="457200" y="3681360"/>
+            <a:ext cx="8228880" cy="1896480"/>
+          </a:xfrm>
+          <a:prstGeom prst="rect">
+            <a:avLst/>
+          </a:prstGeom>
+        </p:spPr>
+        <p:txBody>
+          <a:bodyPr bIns="0" lIns="0" rIns="0" tIns="0" wrap="none"/>
+          <a:p>
+            <a:endParaRPr/>
+          </a:p>
+        </p:txBody>
+      </p:sp>
+    </p:spTree>
+  </p:cSld>
+</p:sldLayout>
+</file>
+
+<file path=ppt/slideLayouts/slideLayout23.xml><?xml version="1.0" encoding="utf-8"?>
+<p:sldLayout xmlns:a="http://schemas.openxmlformats.org/drawingml/2006/main" xmlns:p="http://schemas.openxmlformats.org/presentationml/2006/main" xmlns:r="http://schemas.openxmlformats.org/officeDocument/2006/relationships" preserve="1" type="fourObj">
+  <p:cSld name="Title, 4 Content">
+    <p:spTree>
+      <p:nvGrpSpPr>
+        <p:cNvPr id="1" name=""/>
+        <p:cNvGrpSpPr/>
+        <p:nvPr/>
+      </p:nvGrpSpPr>
+      <p:grpSpPr>
+        <a:xfrm>
+          <a:off x="0" y="0"/>
+          <a:ext cx="0" cy="0"/>
+          <a:chOff x="0" y="0"/>
+          <a:chExt cx="0" cy="0"/>
+        </a:xfrm>
+      </p:grpSpPr>
+      <p:sp>
+        <p:nvSpPr>
+          <p:cNvPr id="62" name="PlaceHolder 1"/>
+          <p:cNvSpPr>
+            <a:spLocks noGrp="1"/>
+          </p:cNvSpPr>
+          <p:nvPr>
+            <p:ph type="title"/>
+          </p:nvPr>
+        </p:nvSpPr>
+        <p:spPr>
+          <a:xfrm>
+            <a:off x="685800" y="2130480"/>
+            <a:ext cx="7771680" cy="1469880"/>
+          </a:xfrm>
+          <a:prstGeom prst="rect">
+            <a:avLst/>
+          </a:prstGeom>
+        </p:spPr>
+        <p:txBody>
+          <a:bodyPr anchor="ctr" bIns="0" lIns="0" rIns="0" tIns="0" wrap="none"/>
+          <a:p>
+            <a:pPr algn="ctr"/>
+            <a:endParaRPr/>
+          </a:p>
+        </p:txBody>
+      </p:sp>
+      <p:sp>
+        <p:nvSpPr>
+          <p:cNvPr id="63" name="PlaceHolder 2"/>
+          <p:cNvSpPr>
+            <a:spLocks noGrp="1"/>
+          </p:cNvSpPr>
+          <p:nvPr>
+            <p:ph type="body"/>
+          </p:nvPr>
+        </p:nvSpPr>
+        <p:spPr>
+          <a:xfrm>
+            <a:off x="457200" y="1604520"/>
+            <a:ext cx="4015440" cy="1896480"/>
+          </a:xfrm>
+          <a:prstGeom prst="rect">
+            <a:avLst/>
+          </a:prstGeom>
+        </p:spPr>
+        <p:txBody>
+          <a:bodyPr bIns="0" lIns="0" rIns="0" tIns="0" wrap="none"/>
+          <a:p>
+            <a:endParaRPr/>
+          </a:p>
+        </p:txBody>
+      </p:sp>
+      <p:sp>
+        <p:nvSpPr>
+          <p:cNvPr id="64" name="PlaceHolder 3"/>
+          <p:cNvSpPr>
+            <a:spLocks noGrp="1"/>
+          </p:cNvSpPr>
+          <p:nvPr>
+            <p:ph type="body"/>
+          </p:nvPr>
+        </p:nvSpPr>
+        <p:spPr>
+          <a:xfrm>
+            <a:off x="4673520" y="1604520"/>
+            <a:ext cx="4015440" cy="1896480"/>
+          </a:xfrm>
+          <a:prstGeom prst="rect">
+            <a:avLst/>
+          </a:prstGeom>
+        </p:spPr>
+        <p:txBody>
+          <a:bodyPr bIns="0" lIns="0" rIns="0" tIns="0" wrap="none"/>
+          <a:p>
+            <a:endParaRPr/>
+          </a:p>
+        </p:txBody>
+      </p:sp>
+      <p:sp>
+        <p:nvSpPr>
+          <p:cNvPr id="65" name="PlaceHolder 4"/>
+          <p:cNvSpPr>
+            <a:spLocks noGrp="1"/>
+          </p:cNvSpPr>
+          <p:nvPr>
+            <p:ph type="body"/>
+          </p:nvPr>
+        </p:nvSpPr>
+        <p:spPr>
+          <a:xfrm>
+            <a:off x="4673520" y="3681360"/>
+            <a:ext cx="4015440" cy="1896480"/>
+          </a:xfrm>
+          <a:prstGeom prst="rect">
+            <a:avLst/>
+          </a:prstGeom>
+        </p:spPr>
+        <p:txBody>
+          <a:bodyPr bIns="0" lIns="0" rIns="0" tIns="0" wrap="none"/>
+          <a:p>
+            <a:endParaRPr/>
+          </a:p>
+        </p:txBody>
+      </p:sp>
+      <p:sp>
+        <p:nvSpPr>
+          <p:cNvPr id="66" name="PlaceHolder 5"/>
+          <p:cNvSpPr>
+            <a:spLocks noGrp="1"/>
+          </p:cNvSpPr>
+          <p:nvPr>
+            <p:ph type="body"/>
+          </p:nvPr>
+        </p:nvSpPr>
+        <p:spPr>
+          <a:xfrm>
+            <a:off x="457200" y="3681360"/>
+            <a:ext cx="4015440" cy="1896480"/>
+          </a:xfrm>
+          <a:prstGeom prst="rect">
+            <a:avLst/>
+          </a:prstGeom>
+        </p:spPr>
+        <p:txBody>
+          <a:bodyPr bIns="0" lIns="0" rIns="0" tIns="0" wrap="none"/>
+          <a:p>
+            <a:endParaRPr/>
+          </a:p>
+        </p:txBody>
+      </p:sp>
+    </p:spTree>
+  </p:cSld>
+</p:sldLayout>
+</file>
+
+<file path=ppt/slideLayouts/slideLayout24.xml><?xml version="1.0" encoding="utf-8"?>
+<p:sldLayout xmlns:a="http://schemas.openxmlformats.org/drawingml/2006/main" xmlns:p="http://schemas.openxmlformats.org/presentationml/2006/main" xmlns:r="http://schemas.openxmlformats.org/officeDocument/2006/relationships" preserve="1" type="blank">
+  <p:cSld name="Title, 6 Content">
+    <p:spTree>
+      <p:nvGrpSpPr>
+        <p:cNvPr id="1" name=""/>
+        <p:cNvGrpSpPr/>
+        <p:nvPr/>
+      </p:nvGrpSpPr>
+      <p:grpSpPr>
+        <a:xfrm>
+          <a:off x="0" y="0"/>
+          <a:ext cx="0" cy="0"/>
+          <a:chOff x="0" y="0"/>
+          <a:chExt cx="0" cy="0"/>
+        </a:xfrm>
+      </p:grpSpPr>
+      <p:sp>
+        <p:nvSpPr>
+          <p:cNvPr id="67" name="PlaceHolder 1"/>
+          <p:cNvSpPr>
+            <a:spLocks noGrp="1"/>
+          </p:cNvSpPr>
+          <p:nvPr>
+            <p:ph type="title"/>
+          </p:nvPr>
+        </p:nvSpPr>
+        <p:spPr>
+          <a:xfrm>
+            <a:off x="685800" y="2130480"/>
+            <a:ext cx="7771680" cy="1469880"/>
+          </a:xfrm>
+          <a:prstGeom prst="rect">
+            <a:avLst/>
+          </a:prstGeom>
+        </p:spPr>
+        <p:txBody>
+          <a:bodyPr anchor="ctr" bIns="0" lIns="0" rIns="0" tIns="0" wrap="none"/>
+          <a:p>
+            <a:pPr algn="ctr"/>
+            <a:endParaRPr/>
+          </a:p>
+        </p:txBody>
+      </p:sp>
+      <p:sp>
+        <p:nvSpPr>
+          <p:cNvPr id="68" name="PlaceHolder 2"/>
+          <p:cNvSpPr>
+            <a:spLocks noGrp="1"/>
+          </p:cNvSpPr>
+          <p:nvPr>
+            <p:ph type="body"/>
+          </p:nvPr>
+        </p:nvSpPr>
+        <p:spPr>
+          <a:xfrm>
+            <a:off x="457200" y="1604520"/>
+            <a:ext cx="4015440" cy="1896480"/>
+          </a:xfrm>
+          <a:prstGeom prst="rect">
+            <a:avLst/>
+          </a:prstGeom>
+        </p:spPr>
+        <p:txBody>
+          <a:bodyPr bIns="0" lIns="0" rIns="0" tIns="0" wrap="none"/>
+          <a:p>
+            <a:endParaRPr/>
+          </a:p>
+        </p:txBody>
+      </p:sp>
+      <p:sp>
+        <p:nvSpPr>
+          <p:cNvPr id="69" name="PlaceHolder 3"/>
+          <p:cNvSpPr>
+            <a:spLocks noGrp="1"/>
+          </p:cNvSpPr>
+          <p:nvPr>
+            <p:ph type="body"/>
+          </p:nvPr>
+        </p:nvSpPr>
+        <p:spPr>
+          <a:xfrm>
+            <a:off x="4673520" y="1604520"/>
+            <a:ext cx="4015440" cy="1896480"/>
+          </a:xfrm>
+          <a:prstGeom prst="rect">
+            <a:avLst/>
+          </a:prstGeom>
+        </p:spPr>
+        <p:txBody>
+          <a:bodyPr bIns="0" lIns="0" rIns="0" tIns="0" wrap="none"/>
+          <a:p>
+            <a:endParaRPr/>
+          </a:p>
+        </p:txBody>
+      </p:sp>
+      <p:pic>
+        <p:nvPicPr>
+          <p:cNvPr descr="" id="70" name=""/>
+          <p:cNvPicPr/>
+          <p:nvPr/>
+        </p:nvPicPr>
+        <p:blipFill>
+          <a:blip r:embed="rId2"/>
+          <a:stretch>
+            <a:fillRect/>
+          </a:stretch>
+        </p:blipFill>
+        <p:spPr>
+          <a:xfrm>
+            <a:off x="5492880" y="3681360"/>
+            <a:ext cx="2376720" cy="1896480"/>
+          </a:xfrm>
+          <a:prstGeom prst="rect">
+            <a:avLst/>
+          </a:prstGeom>
+          <a:ln>
+            <a:noFill/>
+          </a:ln>
+        </p:spPr>
+      </p:pic>
+      <p:pic>
+        <p:nvPicPr>
+          <p:cNvPr descr="" id="71" name=""/>
+          <p:cNvPicPr/>
+          <p:nvPr/>
+        </p:nvPicPr>
+        <p:blipFill>
+          <a:blip r:embed="rId3"/>
+          <a:stretch>
+            <a:fillRect/>
+          </a:stretch>
+        </p:blipFill>
+        <p:spPr>
+          <a:xfrm>
+            <a:off x="1276560" y="3681360"/>
+            <a:ext cx="2376720" cy="1896480"/>
+          </a:xfrm>
+          <a:prstGeom prst="rect">
+            <a:avLst/>
+          </a:prstGeom>
+          <a:ln>
+            <a:noFill/>
+          </a:ln>
+        </p:spPr>
+      </p:pic>
     </p:spTree>
   </p:cSld>
 </p:sldLayout>
@@ -536,7 +1699,7 @@
       </p:grpSpPr>
       <p:sp>
         <p:nvSpPr>
-          <p:cNvPr id="7" name="PlaceHolder 1"/>
+          <p:cNvPr id="4" name="PlaceHolder 1"/>
           <p:cNvSpPr>
             <a:spLocks noGrp="1"/>
           </p:cNvSpPr>
@@ -547,7 +1710,7 @@
         <p:spPr>
           <a:xfrm>
             <a:off x="685800" y="2130480"/>
-            <a:ext cx="7772040" cy="1469880"/>
+            <a:ext cx="7771680" cy="1469880"/>
           </a:xfrm>
           <a:prstGeom prst="rect">
             <a:avLst/>
@@ -556,13 +1719,14 @@
         <p:txBody>
           <a:bodyPr anchor="ctr" bIns="0" lIns="0" rIns="0" tIns="0" wrap="none"/>
           <a:p>
-            <a:endParaRPr/>
-          </a:p>
-        </p:txBody>
-      </p:sp>
-      <p:sp>
-        <p:nvSpPr>
-          <p:cNvPr id="8" name="PlaceHolder 2"/>
+            <a:pPr algn="ctr"/>
+            <a:endParaRPr/>
+          </a:p>
+        </p:txBody>
+      </p:sp>
+      <p:sp>
+        <p:nvSpPr>
+          <p:cNvPr id="5" name="PlaceHolder 2"/>
           <p:cNvSpPr>
             <a:spLocks noGrp="1"/>
           </p:cNvSpPr>
@@ -573,7 +1737,7 @@
         <p:spPr>
           <a:xfrm>
             <a:off x="457200" y="1604520"/>
-            <a:ext cx="8229240" cy="3977280"/>
+            <a:ext cx="8228880" cy="3976920"/>
           </a:xfrm>
           <a:prstGeom prst="rect">
             <a:avLst/>
@@ -610,7 +1774,7 @@
       </p:grpSpPr>
       <p:sp>
         <p:nvSpPr>
-          <p:cNvPr id="9" name="PlaceHolder 1"/>
+          <p:cNvPr id="6" name="PlaceHolder 1"/>
           <p:cNvSpPr>
             <a:spLocks noGrp="1"/>
           </p:cNvSpPr>
@@ -621,7 +1785,7 @@
         <p:spPr>
           <a:xfrm>
             <a:off x="685800" y="2130480"/>
-            <a:ext cx="7772040" cy="1469880"/>
+            <a:ext cx="7771680" cy="1469880"/>
           </a:xfrm>
           <a:prstGeom prst="rect">
             <a:avLst/>
@@ -630,13 +1794,14 @@
         <p:txBody>
           <a:bodyPr anchor="ctr" bIns="0" lIns="0" rIns="0" tIns="0" wrap="none"/>
           <a:p>
-            <a:endParaRPr/>
-          </a:p>
-        </p:txBody>
-      </p:sp>
-      <p:sp>
-        <p:nvSpPr>
-          <p:cNvPr id="10" name="PlaceHolder 2"/>
+            <a:pPr algn="ctr"/>
+            <a:endParaRPr/>
+          </a:p>
+        </p:txBody>
+      </p:sp>
+      <p:sp>
+        <p:nvSpPr>
+          <p:cNvPr id="7" name="PlaceHolder 2"/>
           <p:cNvSpPr>
             <a:spLocks noGrp="1"/>
           </p:cNvSpPr>
@@ -647,22 +1812,22 @@
         <p:spPr>
           <a:xfrm>
             <a:off x="457200" y="1604520"/>
-            <a:ext cx="4015440" cy="3977280"/>
-          </a:xfrm>
-          <a:prstGeom prst="rect">
-            <a:avLst/>
-          </a:prstGeom>
-        </p:spPr>
-        <p:txBody>
-          <a:bodyPr bIns="0" lIns="0" rIns="0" tIns="0" wrap="none"/>
-          <a:p>
-            <a:endParaRPr/>
-          </a:p>
-        </p:txBody>
-      </p:sp>
-      <p:sp>
-        <p:nvSpPr>
-          <p:cNvPr id="11" name="PlaceHolder 3"/>
+            <a:ext cx="4015440" cy="3976920"/>
+          </a:xfrm>
+          <a:prstGeom prst="rect">
+            <a:avLst/>
+          </a:prstGeom>
+        </p:spPr>
+        <p:txBody>
+          <a:bodyPr bIns="0" lIns="0" rIns="0" tIns="0" wrap="none"/>
+          <a:p>
+            <a:endParaRPr/>
+          </a:p>
+        </p:txBody>
+      </p:sp>
+      <p:sp>
+        <p:nvSpPr>
+          <p:cNvPr id="8" name="PlaceHolder 3"/>
           <p:cNvSpPr>
             <a:spLocks noGrp="1"/>
           </p:cNvSpPr>
@@ -673,7 +1838,7 @@
         <p:spPr>
           <a:xfrm>
             <a:off x="4673520" y="1604520"/>
-            <a:ext cx="4015440" cy="3977280"/>
+            <a:ext cx="4015440" cy="3976920"/>
           </a:xfrm>
           <a:prstGeom prst="rect">
             <a:avLst/>
@@ -710,7 +1875,7 @@
       </p:grpSpPr>
       <p:sp>
         <p:nvSpPr>
-          <p:cNvPr id="12" name="PlaceHolder 1"/>
+          <p:cNvPr id="9" name="PlaceHolder 1"/>
           <p:cNvSpPr>
             <a:spLocks noGrp="1"/>
           </p:cNvSpPr>
@@ -721,7 +1886,7 @@
         <p:spPr>
           <a:xfrm>
             <a:off x="685800" y="2130480"/>
-            <a:ext cx="7772040" cy="1469880"/>
+            <a:ext cx="7771680" cy="1469880"/>
           </a:xfrm>
           <a:prstGeom prst="rect">
             <a:avLst/>
@@ -730,6 +1895,7 @@
         <p:txBody>
           <a:bodyPr anchor="ctr" bIns="0" lIns="0" rIns="0" tIns="0" wrap="none"/>
           <a:p>
+            <a:pPr algn="ctr"/>
             <a:endParaRPr/>
           </a:p>
         </p:txBody>
@@ -758,7 +1924,7 @@
       </p:grpSpPr>
       <p:sp>
         <p:nvSpPr>
-          <p:cNvPr id="13" name="PlaceHolder 1"/>
+          <p:cNvPr id="10" name="PlaceHolder 1"/>
           <p:cNvSpPr>
             <a:spLocks noGrp="1"/>
           </p:cNvSpPr>
@@ -769,7 +1935,7 @@
         <p:spPr>
           <a:xfrm>
             <a:off x="685800" y="2130480"/>
-            <a:ext cx="7772040" cy="3451320"/>
+            <a:ext cx="7771680" cy="3450960"/>
           </a:xfrm>
           <a:prstGeom prst="rect">
             <a:avLst/>
@@ -807,7 +1973,7 @@
       </p:grpSpPr>
       <p:sp>
         <p:nvSpPr>
-          <p:cNvPr id="14" name="PlaceHolder 1"/>
+          <p:cNvPr id="11" name="PlaceHolder 1"/>
           <p:cNvSpPr>
             <a:spLocks noGrp="1"/>
           </p:cNvSpPr>
@@ -818,7 +1984,7 @@
         <p:spPr>
           <a:xfrm>
             <a:off x="685800" y="2130480"/>
-            <a:ext cx="7772040" cy="1469880"/>
+            <a:ext cx="7771680" cy="1469880"/>
           </a:xfrm>
           <a:prstGeom prst="rect">
             <a:avLst/>
@@ -827,13 +1993,14 @@
         <p:txBody>
           <a:bodyPr anchor="ctr" bIns="0" lIns="0" rIns="0" tIns="0" wrap="none"/>
           <a:p>
-            <a:endParaRPr/>
-          </a:p>
-        </p:txBody>
-      </p:sp>
-      <p:sp>
-        <p:nvSpPr>
-          <p:cNvPr id="15" name="PlaceHolder 2"/>
+            <a:pPr algn="ctr"/>
+            <a:endParaRPr/>
+          </a:p>
+        </p:txBody>
+      </p:sp>
+      <p:sp>
+        <p:nvSpPr>
+          <p:cNvPr id="12" name="PlaceHolder 2"/>
           <p:cNvSpPr>
             <a:spLocks noGrp="1"/>
           </p:cNvSpPr>
@@ -844,48 +2011,48 @@
         <p:spPr>
           <a:xfrm>
             <a:off x="457200" y="1604520"/>
-            <a:ext cx="4015440" cy="1896840"/>
-          </a:xfrm>
-          <a:prstGeom prst="rect">
-            <a:avLst/>
-          </a:prstGeom>
-        </p:spPr>
-        <p:txBody>
-          <a:bodyPr bIns="0" lIns="0" rIns="0" tIns="0" wrap="none"/>
-          <a:p>
-            <a:endParaRPr/>
-          </a:p>
-        </p:txBody>
-      </p:sp>
-      <p:sp>
-        <p:nvSpPr>
-          <p:cNvPr id="16" name="PlaceHolder 3"/>
-          <p:cNvSpPr>
-            <a:spLocks noGrp="1"/>
-          </p:cNvSpPr>
-          <p:nvPr>
-            <p:ph type="body"/>
-          </p:nvPr>
-        </p:nvSpPr>
-        <p:spPr>
-          <a:xfrm>
-            <a:off x="457200" y="3681720"/>
-            <a:ext cx="4015440" cy="1896840"/>
-          </a:xfrm>
-          <a:prstGeom prst="rect">
-            <a:avLst/>
-          </a:prstGeom>
-        </p:spPr>
-        <p:txBody>
-          <a:bodyPr bIns="0" lIns="0" rIns="0" tIns="0" wrap="none"/>
-          <a:p>
-            <a:endParaRPr/>
-          </a:p>
-        </p:txBody>
-      </p:sp>
-      <p:sp>
-        <p:nvSpPr>
-          <p:cNvPr id="17" name="PlaceHolder 4"/>
+            <a:ext cx="4015440" cy="1896480"/>
+          </a:xfrm>
+          <a:prstGeom prst="rect">
+            <a:avLst/>
+          </a:prstGeom>
+        </p:spPr>
+        <p:txBody>
+          <a:bodyPr bIns="0" lIns="0" rIns="0" tIns="0" wrap="none"/>
+          <a:p>
+            <a:endParaRPr/>
+          </a:p>
+        </p:txBody>
+      </p:sp>
+      <p:sp>
+        <p:nvSpPr>
+          <p:cNvPr id="13" name="PlaceHolder 3"/>
+          <p:cNvSpPr>
+            <a:spLocks noGrp="1"/>
+          </p:cNvSpPr>
+          <p:nvPr>
+            <p:ph type="body"/>
+          </p:nvPr>
+        </p:nvSpPr>
+        <p:spPr>
+          <a:xfrm>
+            <a:off x="457200" y="3681360"/>
+            <a:ext cx="4015440" cy="1896480"/>
+          </a:xfrm>
+          <a:prstGeom prst="rect">
+            <a:avLst/>
+          </a:prstGeom>
+        </p:spPr>
+        <p:txBody>
+          <a:bodyPr bIns="0" lIns="0" rIns="0" tIns="0" wrap="none"/>
+          <a:p>
+            <a:endParaRPr/>
+          </a:p>
+        </p:txBody>
+      </p:sp>
+      <p:sp>
+        <p:nvSpPr>
+          <p:cNvPr id="14" name="PlaceHolder 4"/>
           <p:cNvSpPr>
             <a:spLocks noGrp="1"/>
           </p:cNvSpPr>
@@ -896,7 +2063,7 @@
         <p:spPr>
           <a:xfrm>
             <a:off x="4673520" y="1604520"/>
-            <a:ext cx="4015440" cy="3977280"/>
+            <a:ext cx="4015440" cy="3976920"/>
           </a:xfrm>
           <a:prstGeom prst="rect">
             <a:avLst/>
@@ -933,7 +2100,7 @@
       </p:grpSpPr>
       <p:sp>
         <p:nvSpPr>
-          <p:cNvPr id="18" name="PlaceHolder 1"/>
+          <p:cNvPr id="15" name="PlaceHolder 1"/>
           <p:cNvSpPr>
             <a:spLocks noGrp="1"/>
           </p:cNvSpPr>
@@ -944,7 +2111,7 @@
         <p:spPr>
           <a:xfrm>
             <a:off x="685800" y="2130480"/>
-            <a:ext cx="7772040" cy="1469880"/>
+            <a:ext cx="7771680" cy="1469880"/>
           </a:xfrm>
           <a:prstGeom prst="rect">
             <a:avLst/>
@@ -953,13 +2120,14 @@
         <p:txBody>
           <a:bodyPr anchor="ctr" bIns="0" lIns="0" rIns="0" tIns="0" wrap="none"/>
           <a:p>
-            <a:endParaRPr/>
-          </a:p>
-        </p:txBody>
-      </p:sp>
-      <p:sp>
-        <p:nvSpPr>
-          <p:cNvPr id="19" name="PlaceHolder 2"/>
+            <a:pPr algn="ctr"/>
+            <a:endParaRPr/>
+          </a:p>
+        </p:txBody>
+      </p:sp>
+      <p:sp>
+        <p:nvSpPr>
+          <p:cNvPr id="16" name="PlaceHolder 2"/>
           <p:cNvSpPr>
             <a:spLocks noGrp="1"/>
           </p:cNvSpPr>
@@ -970,22 +2138,22 @@
         <p:spPr>
           <a:xfrm>
             <a:off x="457200" y="1604520"/>
-            <a:ext cx="4015440" cy="3977280"/>
-          </a:xfrm>
-          <a:prstGeom prst="rect">
-            <a:avLst/>
-          </a:prstGeom>
-        </p:spPr>
-        <p:txBody>
-          <a:bodyPr bIns="0" lIns="0" rIns="0" tIns="0" wrap="none"/>
-          <a:p>
-            <a:endParaRPr/>
-          </a:p>
-        </p:txBody>
-      </p:sp>
-      <p:sp>
-        <p:nvSpPr>
-          <p:cNvPr id="20" name="PlaceHolder 3"/>
+            <a:ext cx="4015440" cy="3976920"/>
+          </a:xfrm>
+          <a:prstGeom prst="rect">
+            <a:avLst/>
+          </a:prstGeom>
+        </p:spPr>
+        <p:txBody>
+          <a:bodyPr bIns="0" lIns="0" rIns="0" tIns="0" wrap="none"/>
+          <a:p>
+            <a:endParaRPr/>
+          </a:p>
+        </p:txBody>
+      </p:sp>
+      <p:sp>
+        <p:nvSpPr>
+          <p:cNvPr id="17" name="PlaceHolder 3"/>
           <p:cNvSpPr>
             <a:spLocks noGrp="1"/>
           </p:cNvSpPr>
@@ -996,33 +2164,33 @@
         <p:spPr>
           <a:xfrm>
             <a:off x="4673520" y="1604520"/>
-            <a:ext cx="4015440" cy="1896840"/>
-          </a:xfrm>
-          <a:prstGeom prst="rect">
-            <a:avLst/>
-          </a:prstGeom>
-        </p:spPr>
-        <p:txBody>
-          <a:bodyPr bIns="0" lIns="0" rIns="0" tIns="0" wrap="none"/>
-          <a:p>
-            <a:endParaRPr/>
-          </a:p>
-        </p:txBody>
-      </p:sp>
-      <p:sp>
-        <p:nvSpPr>
-          <p:cNvPr id="21" name="PlaceHolder 4"/>
-          <p:cNvSpPr>
-            <a:spLocks noGrp="1"/>
-          </p:cNvSpPr>
-          <p:nvPr>
-            <p:ph type="body"/>
-          </p:nvPr>
-        </p:nvSpPr>
-        <p:spPr>
-          <a:xfrm>
-            <a:off x="4673520" y="3681720"/>
-            <a:ext cx="4015440" cy="1896840"/>
+            <a:ext cx="4015440" cy="1896480"/>
+          </a:xfrm>
+          <a:prstGeom prst="rect">
+            <a:avLst/>
+          </a:prstGeom>
+        </p:spPr>
+        <p:txBody>
+          <a:bodyPr bIns="0" lIns="0" rIns="0" tIns="0" wrap="none"/>
+          <a:p>
+            <a:endParaRPr/>
+          </a:p>
+        </p:txBody>
+      </p:sp>
+      <p:sp>
+        <p:nvSpPr>
+          <p:cNvPr id="18" name="PlaceHolder 4"/>
+          <p:cNvSpPr>
+            <a:spLocks noGrp="1"/>
+          </p:cNvSpPr>
+          <p:nvPr>
+            <p:ph type="body"/>
+          </p:nvPr>
+        </p:nvSpPr>
+        <p:spPr>
+          <a:xfrm>
+            <a:off x="4673520" y="3681360"/>
+            <a:ext cx="4015440" cy="1896480"/>
           </a:xfrm>
           <a:prstGeom prst="rect">
             <a:avLst/>
@@ -1059,7 +2227,7 @@
       </p:grpSpPr>
       <p:sp>
         <p:nvSpPr>
-          <p:cNvPr id="22" name="PlaceHolder 1"/>
+          <p:cNvPr id="19" name="PlaceHolder 1"/>
           <p:cNvSpPr>
             <a:spLocks noGrp="1"/>
           </p:cNvSpPr>
@@ -1070,7 +2238,7 @@
         <p:spPr>
           <a:xfrm>
             <a:off x="685800" y="2130480"/>
-            <a:ext cx="7772040" cy="1469880"/>
+            <a:ext cx="7771680" cy="1469880"/>
           </a:xfrm>
           <a:prstGeom prst="rect">
             <a:avLst/>
@@ -1079,13 +2247,14 @@
         <p:txBody>
           <a:bodyPr anchor="ctr" bIns="0" lIns="0" rIns="0" tIns="0" wrap="none"/>
           <a:p>
-            <a:endParaRPr/>
-          </a:p>
-        </p:txBody>
-      </p:sp>
-      <p:sp>
-        <p:nvSpPr>
-          <p:cNvPr id="23" name="PlaceHolder 2"/>
+            <a:pPr algn="ctr"/>
+            <a:endParaRPr/>
+          </a:p>
+        </p:txBody>
+      </p:sp>
+      <p:sp>
+        <p:nvSpPr>
+          <p:cNvPr id="20" name="PlaceHolder 2"/>
           <p:cNvSpPr>
             <a:spLocks noGrp="1"/>
           </p:cNvSpPr>
@@ -1096,22 +2265,22 @@
         <p:spPr>
           <a:xfrm>
             <a:off x="457200" y="1604520"/>
-            <a:ext cx="4015440" cy="1896840"/>
-          </a:xfrm>
-          <a:prstGeom prst="rect">
-            <a:avLst/>
-          </a:prstGeom>
-        </p:spPr>
-        <p:txBody>
-          <a:bodyPr bIns="0" lIns="0" rIns="0" tIns="0" wrap="none"/>
-          <a:p>
-            <a:endParaRPr/>
-          </a:p>
-        </p:txBody>
-      </p:sp>
-      <p:sp>
-        <p:nvSpPr>
-          <p:cNvPr id="24" name="PlaceHolder 3"/>
+            <a:ext cx="4015440" cy="1896480"/>
+          </a:xfrm>
+          <a:prstGeom prst="rect">
+            <a:avLst/>
+          </a:prstGeom>
+        </p:spPr>
+        <p:txBody>
+          <a:bodyPr bIns="0" lIns="0" rIns="0" tIns="0" wrap="none"/>
+          <a:p>
+            <a:endParaRPr/>
+          </a:p>
+        </p:txBody>
+      </p:sp>
+      <p:sp>
+        <p:nvSpPr>
+          <p:cNvPr id="21" name="PlaceHolder 3"/>
           <p:cNvSpPr>
             <a:spLocks noGrp="1"/>
           </p:cNvSpPr>
@@ -1122,33 +2291,33 @@
         <p:spPr>
           <a:xfrm>
             <a:off x="4673520" y="1604520"/>
-            <a:ext cx="4015440" cy="1896840"/>
-          </a:xfrm>
-          <a:prstGeom prst="rect">
-            <a:avLst/>
-          </a:prstGeom>
-        </p:spPr>
-        <p:txBody>
-          <a:bodyPr bIns="0" lIns="0" rIns="0" tIns="0" wrap="none"/>
-          <a:p>
-            <a:endParaRPr/>
-          </a:p>
-        </p:txBody>
-      </p:sp>
-      <p:sp>
-        <p:nvSpPr>
-          <p:cNvPr id="25" name="PlaceHolder 4"/>
-          <p:cNvSpPr>
-            <a:spLocks noGrp="1"/>
-          </p:cNvSpPr>
-          <p:nvPr>
-            <p:ph type="body"/>
-          </p:nvPr>
-        </p:nvSpPr>
-        <p:spPr>
-          <a:xfrm>
-            <a:off x="457200" y="3681720"/>
-            <a:ext cx="8228520" cy="1896840"/>
+            <a:ext cx="4015440" cy="1896480"/>
+          </a:xfrm>
+          <a:prstGeom prst="rect">
+            <a:avLst/>
+          </a:prstGeom>
+        </p:spPr>
+        <p:txBody>
+          <a:bodyPr bIns="0" lIns="0" rIns="0" tIns="0" wrap="none"/>
+          <a:p>
+            <a:endParaRPr/>
+          </a:p>
+        </p:txBody>
+      </p:sp>
+      <p:sp>
+        <p:nvSpPr>
+          <p:cNvPr id="22" name="PlaceHolder 4"/>
+          <p:cNvSpPr>
+            <a:spLocks noGrp="1"/>
+          </p:cNvSpPr>
+          <p:nvPr>
+            <p:ph type="body"/>
+          </p:nvPr>
+        </p:nvSpPr>
+        <p:spPr>
+          <a:xfrm>
+            <a:off x="457200" y="3681360"/>
+            <a:ext cx="8228520" cy="1896480"/>
           </a:xfrm>
           <a:prstGeom prst="rect">
             <a:avLst/>
@@ -1203,28 +2372,18 @@
         <p:spPr>
           <a:xfrm>
             <a:off x="685800" y="2130480"/>
-            <a:ext cx="7772040" cy="1469520"/>
-          </a:xfrm>
-          <a:prstGeom prst="rect">
-            <a:avLst/>
-          </a:prstGeom>
-        </p:spPr>
-        <p:txBody>
-          <a:bodyPr anchor="ctr"/>
-          <a:p>
-            <a:pPr algn="ctr">
-              <a:lnSpc>
-                <a:spcPct val="100000"/>
-              </a:lnSpc>
-            </a:pPr>
+            <a:ext cx="7771680" cy="1469520"/>
+          </a:xfrm>
+          <a:prstGeom prst="rect">
+            <a:avLst/>
+          </a:prstGeom>
+        </p:spPr>
+        <p:txBody>
+          <a:bodyPr anchor="ctr" bIns="0" lIns="0" rIns="0" tIns="0" wrap="none"/>
+          <a:p>
             <a:r>
-              <a:rPr lang="fr-FR" sz="4400">
-                <a:solidFill>
-                  <a:srgbClr val="000000"/>
-                </a:solidFill>
-                <a:latin typeface="Calibri"/>
-              </a:rPr>
-              <a:t>Cliquez pour éditer le format du texte-titreClick to edit Master title style</a:t>
+              <a:rPr lang="fr-FR"/>
+              <a:t>Cliquez pour éditer le format du texte-titre</a:t>
             </a:r>
             <a:endParaRPr/>
           </a:p>
@@ -1233,112 +2392,6 @@
       <p:sp>
         <p:nvSpPr>
           <p:cNvPr id="1" name="PlaceHolder 2"/>
-          <p:cNvSpPr>
-            <a:spLocks noGrp="1"/>
-          </p:cNvSpPr>
-          <p:nvPr>
-            <p:ph type="dt"/>
-          </p:nvPr>
-        </p:nvSpPr>
-        <p:spPr>
-          <a:xfrm>
-            <a:off x="457200" y="6356520"/>
-            <a:ext cx="2133360" cy="364680"/>
-          </a:xfrm>
-          <a:prstGeom prst="rect">
-            <a:avLst/>
-          </a:prstGeom>
-        </p:spPr>
-        <p:txBody>
-          <a:bodyPr anchor="ctr"/>
-          <a:p>
-            <a:pPr>
-              <a:lnSpc>
-                <a:spcPct val="100000"/>
-              </a:lnSpc>
-            </a:pPr>
-            <a:r>
-              <a:rPr lang="fr-FR" sz="1200">
-                <a:solidFill>
-                  <a:srgbClr val="8b8b8b"/>
-                </a:solidFill>
-                <a:latin typeface="Calibri"/>
-              </a:rPr>
-              <a:t>11/04/2014</a:t>
-            </a:r>
-            <a:endParaRPr/>
-          </a:p>
-        </p:txBody>
-      </p:sp>
-      <p:sp>
-        <p:nvSpPr>
-          <p:cNvPr id="2" name="PlaceHolder 3"/>
-          <p:cNvSpPr>
-            <a:spLocks noGrp="1"/>
-          </p:cNvSpPr>
-          <p:nvPr>
-            <p:ph type="ftr"/>
-          </p:nvPr>
-        </p:nvSpPr>
-        <p:spPr>
-          <a:xfrm>
-            <a:off x="3124080" y="6356520"/>
-            <a:ext cx="2895120" cy="364680"/>
-          </a:xfrm>
-          <a:prstGeom prst="rect">
-            <a:avLst/>
-          </a:prstGeom>
-        </p:spPr>
-        <p:txBody>
-          <a:bodyPr anchor="ctr"/>
-          <a:p>
-            <a:endParaRPr/>
-          </a:p>
-        </p:txBody>
-      </p:sp>
-      <p:sp>
-        <p:nvSpPr>
-          <p:cNvPr id="3" name="PlaceHolder 4"/>
-          <p:cNvSpPr>
-            <a:spLocks noGrp="1"/>
-          </p:cNvSpPr>
-          <p:nvPr>
-            <p:ph type="sldNum"/>
-          </p:nvPr>
-        </p:nvSpPr>
-        <p:spPr>
-          <a:xfrm>
-            <a:off x="6553080" y="6356520"/>
-            <a:ext cx="2133360" cy="364680"/>
-          </a:xfrm>
-          <a:prstGeom prst="rect">
-            <a:avLst/>
-          </a:prstGeom>
-        </p:spPr>
-        <p:txBody>
-          <a:bodyPr anchor="ctr"/>
-          <a:p>
-            <a:pPr algn="r">
-              <a:lnSpc>
-                <a:spcPct val="100000"/>
-              </a:lnSpc>
-            </a:pPr>
-            <a:fld id="{9CBE09D7-84FC-4335-AEEF-156045FEE86D}" type="slidenum">
-              <a:rPr lang="fr-FR" sz="1200">
-                <a:solidFill>
-                  <a:srgbClr val="8b8b8b"/>
-                </a:solidFill>
-                <a:latin typeface="Calibri"/>
-              </a:rPr>
-              <a:t>&lt;numéro&gt;</a:t>
-            </a:fld>
-            <a:endParaRPr/>
-          </a:p>
-        </p:txBody>
-      </p:sp>
-      <p:sp>
-        <p:nvSpPr>
-          <p:cNvPr id="4" name="PlaceHolder 5"/>
           <p:cNvSpPr>
             <a:spLocks noGrp="1"/>
           </p:cNvSpPr>
@@ -1459,6 +2512,187 @@
     <p:sldLayoutId id="2147483658" r:id="rId11"/>
     <p:sldLayoutId id="2147483659" r:id="rId12"/>
     <p:sldLayoutId id="2147483660" r:id="rId13"/>
+  </p:sldLayoutIdLst>
+</p:sldMaster>
+</file>
+
+<file path=ppt/slideMasters/slideMaster2.xml><?xml version="1.0" encoding="utf-8"?>
+<p:sldMaster xmlns:a="http://schemas.openxmlformats.org/drawingml/2006/main" xmlns:p="http://schemas.openxmlformats.org/presentationml/2006/main" xmlns:r="http://schemas.openxmlformats.org/officeDocument/2006/relationships">
+  <p:cSld>
+    <p:bg>
+      <p:bgPr>
+        <a:solidFill>
+          <a:srgbClr val="ffffff"/>
+        </a:solidFill>
+      </p:bgPr>
+    </p:bg>
+    <p:spTree>
+      <p:nvGrpSpPr>
+        <p:cNvPr id="1" name=""/>
+        <p:cNvGrpSpPr/>
+        <p:nvPr/>
+      </p:nvGrpSpPr>
+      <p:grpSpPr>
+        <a:xfrm>
+          <a:off x="0" y="0"/>
+          <a:ext cx="0" cy="0"/>
+          <a:chOff x="0" y="0"/>
+          <a:chExt cx="0" cy="0"/>
+        </a:xfrm>
+      </p:grpSpPr>
+      <p:sp>
+        <p:nvSpPr>
+          <p:cNvPr id="36" name="PlaceHolder 1"/>
+          <p:cNvSpPr>
+            <a:spLocks noGrp="1"/>
+          </p:cNvSpPr>
+          <p:nvPr>
+            <p:ph type="title"/>
+          </p:nvPr>
+        </p:nvSpPr>
+        <p:spPr>
+          <a:xfrm>
+            <a:off x="685800" y="2130480"/>
+            <a:ext cx="7771680" cy="1469520"/>
+          </a:xfrm>
+          <a:prstGeom prst="rect">
+            <a:avLst/>
+          </a:prstGeom>
+        </p:spPr>
+        <p:txBody>
+          <a:bodyPr anchor="ctr" bIns="0" lIns="0" rIns="0" tIns="0" wrap="none"/>
+          <a:p>
+            <a:r>
+              <a:rPr lang="fr-FR"/>
+              <a:t>Cliquez pour éditer le format du texte-titre</a:t>
+            </a:r>
+            <a:endParaRPr/>
+          </a:p>
+        </p:txBody>
+      </p:sp>
+      <p:sp>
+        <p:nvSpPr>
+          <p:cNvPr id="37" name="PlaceHolder 2"/>
+          <p:cNvSpPr>
+            <a:spLocks noGrp="1"/>
+          </p:cNvSpPr>
+          <p:nvPr>
+            <p:ph type="body"/>
+          </p:nvPr>
+        </p:nvSpPr>
+        <p:spPr>
+          <a:xfrm>
+            <a:off x="457200" y="1604520"/>
+            <a:ext cx="8228880" cy="3976920"/>
+          </a:xfrm>
+          <a:prstGeom prst="rect">
+            <a:avLst/>
+          </a:prstGeom>
+        </p:spPr>
+        <p:txBody>
+          <a:bodyPr bIns="0" lIns="0" rIns="0" tIns="0" wrap="none"/>
+          <a:p>
+            <a:pPr>
+              <a:buSzPct val="25000"/>
+              <a:buFont typeface="StarSymbol"/>
+              <a:buChar char=""/>
+            </a:pPr>
+            <a:r>
+              <a:rPr lang="fr-FR"/>
+              <a:t>Cliquez pour éditer le format du plan de texte</a:t>
+            </a:r>
+            <a:endParaRPr/>
+          </a:p>
+          <a:p>
+            <a:pPr lvl="1">
+              <a:buSzPct val="25000"/>
+              <a:buFont typeface="StarSymbol"/>
+              <a:buChar char=""/>
+            </a:pPr>
+            <a:r>
+              <a:rPr lang="fr-FR"/>
+              <a:t>Second niveau de plan</a:t>
+            </a:r>
+            <a:endParaRPr/>
+          </a:p>
+          <a:p>
+            <a:pPr lvl="2">
+              <a:buSzPct val="25000"/>
+              <a:buFont typeface="StarSymbol"/>
+              <a:buChar char=""/>
+            </a:pPr>
+            <a:r>
+              <a:rPr lang="fr-FR"/>
+              <a:t>Troisième niveau de plan</a:t>
+            </a:r>
+            <a:endParaRPr/>
+          </a:p>
+          <a:p>
+            <a:pPr lvl="3">
+              <a:buSzPct val="25000"/>
+              <a:buFont typeface="StarSymbol"/>
+              <a:buChar char=""/>
+            </a:pPr>
+            <a:r>
+              <a:rPr lang="fr-FR"/>
+              <a:t>Quatrième niveau de plan</a:t>
+            </a:r>
+            <a:endParaRPr/>
+          </a:p>
+          <a:p>
+            <a:pPr lvl="4">
+              <a:buSzPct val="25000"/>
+              <a:buFont typeface="StarSymbol"/>
+              <a:buChar char=""/>
+            </a:pPr>
+            <a:r>
+              <a:rPr lang="fr-FR"/>
+              <a:t>Cinquième niveau de plan</a:t>
+            </a:r>
+            <a:endParaRPr/>
+          </a:p>
+          <a:p>
+            <a:pPr lvl="5">
+              <a:buSzPct val="25000"/>
+              <a:buFont typeface="StarSymbol"/>
+              <a:buChar char=""/>
+            </a:pPr>
+            <a:r>
+              <a:rPr lang="fr-FR"/>
+              <a:t>Sixième niveau de plan</a:t>
+            </a:r>
+            <a:endParaRPr/>
+          </a:p>
+          <a:p>
+            <a:pPr lvl="6">
+              <a:buSzPct val="25000"/>
+              <a:buFont typeface="StarSymbol"/>
+              <a:buChar char=""/>
+            </a:pPr>
+            <a:r>
+              <a:rPr lang="fr-FR"/>
+              <a:t>Septième niveau de plan</a:t>
+            </a:r>
+            <a:endParaRPr/>
+          </a:p>
+        </p:txBody>
+      </p:sp>
+    </p:spTree>
+  </p:cSld>
+  <p:clrMap accent1="accent1" accent2="accent2" accent3="accent3" accent4="accent4" accent5="accent5" accent6="accent6" bg1="lt1" bg2="lt2" folHlink="folHlink" hlink="hlink" tx1="dk1" tx2="dk2"/>
+  <p:sldLayoutIdLst>
+    <p:sldLayoutId id="2147483662" r:id="rId2"/>
+    <p:sldLayoutId id="2147483663" r:id="rId3"/>
+    <p:sldLayoutId id="2147483664" r:id="rId4"/>
+    <p:sldLayoutId id="2147483665" r:id="rId5"/>
+    <p:sldLayoutId id="2147483666" r:id="rId6"/>
+    <p:sldLayoutId id="2147483667" r:id="rId7"/>
+    <p:sldLayoutId id="2147483668" r:id="rId8"/>
+    <p:sldLayoutId id="2147483669" r:id="rId9"/>
+    <p:sldLayoutId id="2147483670" r:id="rId10"/>
+    <p:sldLayoutId id="2147483671" r:id="rId11"/>
+    <p:sldLayoutId id="2147483672" r:id="rId12"/>
+    <p:sldLayoutId id="2147483673" r:id="rId13"/>
   </p:sldLayoutIdLst>
 </p:sldMaster>
 </file>
@@ -1482,7 +2716,7 @@
       </p:grpSpPr>
       <p:pic>
         <p:nvPicPr>
-          <p:cNvPr descr="" id="39" name="Picture 2"/>
+          <p:cNvPr descr="" id="72" name="Picture 2"/>
           <p:cNvPicPr/>
           <p:nvPr/>
         </p:nvPicPr>
@@ -1495,7 +2729,7 @@
         <p:spPr>
           <a:xfrm>
             <a:off x="-252360" y="-2520"/>
-            <a:ext cx="9612720" cy="6840360"/>
+            <a:ext cx="9612360" cy="6840000"/>
           </a:xfrm>
           <a:prstGeom prst="rect">
             <a:avLst/>
@@ -1507,21 +2741,25 @@
       </p:pic>
       <p:sp>
         <p:nvSpPr>
-          <p:cNvPr id="40" name="TextShape 1"/>
-          <p:cNvSpPr txBox="1"/>
+          <p:cNvPr id="73" name="CustomShape 1"/>
+          <p:cNvSpPr/>
           <p:nvPr/>
         </p:nvSpPr>
         <p:spPr>
           <a:xfrm>
             <a:off x="667800" y="1947960"/>
-            <a:ext cx="7772040" cy="1469520"/>
-          </a:xfrm>
-          <a:prstGeom prst="rect">
-            <a:avLst/>
-          </a:prstGeom>
-        </p:spPr>
-        <p:txBody>
-          <a:bodyPr anchor="ctr"/>
+            <a:ext cx="7771680" cy="1469160"/>
+          </a:xfrm>
+          <a:prstGeom prst="rect">
+            <a:avLst/>
+          </a:prstGeom>
+          <a:noFill/>
+          <a:ln>
+            <a:noFill/>
+          </a:ln>
+        </p:spPr>
+        <p:txBody>
+          <a:bodyPr anchor="ctr" bIns="45000" lIns="90000" rIns="90000" tIns="45000"/>
           <a:p>
             <a:pPr algn="ctr">
               <a:lnSpc>
@@ -1544,21 +2782,25 @@
       </p:sp>
       <p:sp>
         <p:nvSpPr>
-          <p:cNvPr id="41" name="TextShape 2"/>
-          <p:cNvSpPr txBox="1"/>
+          <p:cNvPr id="74" name="CustomShape 2"/>
+          <p:cNvSpPr/>
           <p:nvPr/>
         </p:nvSpPr>
         <p:spPr>
           <a:xfrm>
             <a:off x="1331640" y="5924880"/>
-            <a:ext cx="8240760" cy="910440"/>
-          </a:xfrm>
-          <a:prstGeom prst="rect">
-            <a:avLst/>
-          </a:prstGeom>
-        </p:spPr>
-        <p:txBody>
-          <a:bodyPr/>
+            <a:ext cx="8240400" cy="910080"/>
+          </a:xfrm>
+          <a:prstGeom prst="rect">
+            <a:avLst/>
+          </a:prstGeom>
+          <a:noFill/>
+          <a:ln>
+            <a:noFill/>
+          </a:ln>
+        </p:spPr>
+        <p:txBody>
+          <a:bodyPr bIns="45000" lIns="90000" rIns="90000" tIns="45000"/>
           <a:p>
             <a:pPr algn="ctr">
               <a:lnSpc>
@@ -1603,18 +2845,22 @@
       </p:grpSpPr>
       <p:sp>
         <p:nvSpPr>
-          <p:cNvPr id="42" name="TextShape 1"/>
-          <p:cNvSpPr txBox="1"/>
+          <p:cNvPr id="75" name="CustomShape 1"/>
+          <p:cNvSpPr/>
           <p:nvPr/>
         </p:nvSpPr>
         <p:spPr>
           <a:xfrm>
             <a:off x="685800" y="2130480"/>
-            <a:ext cx="7772040" cy="1469520"/>
-          </a:xfrm>
-          <a:prstGeom prst="rect">
-            <a:avLst/>
-          </a:prstGeom>
+            <a:ext cx="7771680" cy="1469160"/>
+          </a:xfrm>
+          <a:prstGeom prst="rect">
+            <a:avLst/>
+          </a:prstGeom>
+          <a:noFill/>
+          <a:ln>
+            <a:noFill/>
+          </a:ln>
         </p:spPr>
         <p:txBody>
           <a:bodyPr anchor="ctr" bIns="0" lIns="0" rIns="0" tIns="0" wrap="none"/>
@@ -1629,26 +2875,33 @@
       </p:sp>
       <p:sp>
         <p:nvSpPr>
-          <p:cNvPr id="43" name="TextShape 2"/>
-          <p:cNvSpPr txBox="1"/>
+          <p:cNvPr id="76" name="CustomShape 2"/>
+          <p:cNvSpPr/>
           <p:nvPr/>
         </p:nvSpPr>
         <p:spPr>
           <a:xfrm>
             <a:off x="457200" y="1604520"/>
-            <a:ext cx="8229240" cy="3977280"/>
-          </a:xfrm>
-          <a:prstGeom prst="rect">
-            <a:avLst/>
-          </a:prstGeom>
+            <a:ext cx="8228880" cy="3976920"/>
+          </a:xfrm>
+          <a:prstGeom prst="rect">
+            <a:avLst/>
+          </a:prstGeom>
+          <a:noFill/>
+          <a:ln>
+            <a:noFill/>
+          </a:ln>
         </p:spPr>
         <p:txBody>
           <a:bodyPr bIns="0" lIns="0" rIns="0" tIns="0" wrap="none"/>
           <a:p>
             <a:pPr>
+              <a:lnSpc>
+                <a:spcPct val="100000"/>
+              </a:lnSpc>
               <a:buSzPct val="25000"/>
               <a:buFont typeface="StarSymbol"/>
-              <a:buChar char=""/>
+              <a:buChar char="l"/>
             </a:pPr>
             <a:r>
               <a:rPr lang="fr-FR"/>
@@ -1682,48 +2935,53 @@
       </p:grpSpPr>
       <p:sp>
         <p:nvSpPr>
-          <p:cNvPr id="44" name="TextShape 1"/>
-          <p:cNvSpPr txBox="1"/>
+          <p:cNvPr id="77" name="CustomShape 1"/>
+          <p:cNvSpPr/>
           <p:nvPr/>
         </p:nvSpPr>
         <p:spPr>
           <a:xfrm>
             <a:off x="685800" y="2130480"/>
-            <a:ext cx="7772040" cy="1469520"/>
-          </a:xfrm>
-          <a:prstGeom prst="rect">
-            <a:avLst/>
-          </a:prstGeom>
-        </p:spPr>
-        <p:txBody>
-          <a:bodyPr anchor="ctr" bIns="0" lIns="0" rIns="0" tIns="0" wrap="none"/>
-          <a:p>
-            <a:endParaRPr/>
-          </a:p>
-        </p:txBody>
-      </p:sp>
-      <p:sp>
-        <p:nvSpPr>
-          <p:cNvPr id="45" name="TextShape 2"/>
-          <p:cNvSpPr txBox="1"/>
+            <a:ext cx="7771680" cy="1469160"/>
+          </a:xfrm>
+          <a:prstGeom prst="rect">
+            <a:avLst/>
+          </a:prstGeom>
+          <a:noFill/>
+          <a:ln>
+            <a:noFill/>
+          </a:ln>
+        </p:spPr>
+      </p:sp>
+      <p:sp>
+        <p:nvSpPr>
+          <p:cNvPr id="78" name="CustomShape 2"/>
+          <p:cNvSpPr/>
           <p:nvPr/>
         </p:nvSpPr>
         <p:spPr>
           <a:xfrm>
             <a:off x="457200" y="1604520"/>
-            <a:ext cx="8229240" cy="3977280"/>
-          </a:xfrm>
-          <a:prstGeom prst="rect">
-            <a:avLst/>
-          </a:prstGeom>
+            <a:ext cx="8228880" cy="3976920"/>
+          </a:xfrm>
+          <a:prstGeom prst="rect">
+            <a:avLst/>
+          </a:prstGeom>
+          <a:noFill/>
+          <a:ln>
+            <a:noFill/>
+          </a:ln>
         </p:spPr>
         <p:txBody>
           <a:bodyPr bIns="0" lIns="0" rIns="0" tIns="0" wrap="none"/>
           <a:p>
             <a:pPr>
+              <a:lnSpc>
+                <a:spcPct val="100000"/>
+              </a:lnSpc>
               <a:buSzPct val="25000"/>
               <a:buFont typeface="StarSymbol"/>
-              <a:buChar char=""/>
+              <a:buChar char="l"/>
             </a:pPr>
             <a:r>
               <a:rPr lang="fr-FR"/>
@@ -1757,48 +3015,53 @@
       </p:grpSpPr>
       <p:sp>
         <p:nvSpPr>
-          <p:cNvPr id="46" name="TextShape 1"/>
-          <p:cNvSpPr txBox="1"/>
+          <p:cNvPr id="79" name="CustomShape 1"/>
+          <p:cNvSpPr/>
           <p:nvPr/>
         </p:nvSpPr>
         <p:spPr>
           <a:xfrm>
             <a:off x="685800" y="2130480"/>
-            <a:ext cx="7772040" cy="1469520"/>
-          </a:xfrm>
-          <a:prstGeom prst="rect">
-            <a:avLst/>
-          </a:prstGeom>
-        </p:spPr>
-        <p:txBody>
-          <a:bodyPr anchor="ctr" bIns="0" lIns="0" rIns="0" tIns="0" wrap="none"/>
-          <a:p>
-            <a:endParaRPr/>
-          </a:p>
-        </p:txBody>
-      </p:sp>
-      <p:sp>
-        <p:nvSpPr>
-          <p:cNvPr id="47" name="TextShape 2"/>
-          <p:cNvSpPr txBox="1"/>
+            <a:ext cx="7771680" cy="1469160"/>
+          </a:xfrm>
+          <a:prstGeom prst="rect">
+            <a:avLst/>
+          </a:prstGeom>
+          <a:noFill/>
+          <a:ln>
+            <a:noFill/>
+          </a:ln>
+        </p:spPr>
+      </p:sp>
+      <p:sp>
+        <p:nvSpPr>
+          <p:cNvPr id="80" name="CustomShape 2"/>
+          <p:cNvSpPr/>
           <p:nvPr/>
         </p:nvSpPr>
         <p:spPr>
           <a:xfrm>
             <a:off x="457200" y="1604520"/>
-            <a:ext cx="8229240" cy="3977280"/>
-          </a:xfrm>
-          <a:prstGeom prst="rect">
-            <a:avLst/>
-          </a:prstGeom>
+            <a:ext cx="8228880" cy="3976920"/>
+          </a:xfrm>
+          <a:prstGeom prst="rect">
+            <a:avLst/>
+          </a:prstGeom>
+          <a:noFill/>
+          <a:ln>
+            <a:noFill/>
+          </a:ln>
         </p:spPr>
         <p:txBody>
           <a:bodyPr bIns="0" lIns="0" rIns="0" tIns="0" wrap="none"/>
           <a:p>
             <a:pPr>
+              <a:lnSpc>
+                <a:spcPct val="100000"/>
+              </a:lnSpc>
               <a:buSzPct val="25000"/>
               <a:buFont typeface="StarSymbol"/>
-              <a:buChar char=""/>
+              <a:buChar char="l"/>
             </a:pPr>
             <a:r>
               <a:rPr lang="fr-FR"/>
@@ -1832,48 +3095,53 @@
       </p:grpSpPr>
       <p:sp>
         <p:nvSpPr>
-          <p:cNvPr id="48" name="TextShape 1"/>
-          <p:cNvSpPr txBox="1"/>
+          <p:cNvPr id="81" name="CustomShape 1"/>
+          <p:cNvSpPr/>
           <p:nvPr/>
         </p:nvSpPr>
         <p:spPr>
           <a:xfrm>
             <a:off x="685800" y="2130480"/>
-            <a:ext cx="7772040" cy="1469520"/>
-          </a:xfrm>
-          <a:prstGeom prst="rect">
-            <a:avLst/>
-          </a:prstGeom>
-        </p:spPr>
-        <p:txBody>
-          <a:bodyPr anchor="ctr" bIns="0" lIns="0" rIns="0" tIns="0" wrap="none"/>
-          <a:p>
-            <a:endParaRPr/>
-          </a:p>
-        </p:txBody>
-      </p:sp>
-      <p:sp>
-        <p:nvSpPr>
-          <p:cNvPr id="49" name="TextShape 2"/>
-          <p:cNvSpPr txBox="1"/>
+            <a:ext cx="7771680" cy="1469160"/>
+          </a:xfrm>
+          <a:prstGeom prst="rect">
+            <a:avLst/>
+          </a:prstGeom>
+          <a:noFill/>
+          <a:ln>
+            <a:noFill/>
+          </a:ln>
+        </p:spPr>
+      </p:sp>
+      <p:sp>
+        <p:nvSpPr>
+          <p:cNvPr id="82" name="CustomShape 2"/>
+          <p:cNvSpPr/>
           <p:nvPr/>
         </p:nvSpPr>
         <p:spPr>
           <a:xfrm>
             <a:off x="457200" y="1604520"/>
-            <a:ext cx="8229240" cy="3977280"/>
-          </a:xfrm>
-          <a:prstGeom prst="rect">
-            <a:avLst/>
-          </a:prstGeom>
+            <a:ext cx="8228880" cy="3976920"/>
+          </a:xfrm>
+          <a:prstGeom prst="rect">
+            <a:avLst/>
+          </a:prstGeom>
+          <a:noFill/>
+          <a:ln>
+            <a:noFill/>
+          </a:ln>
         </p:spPr>
         <p:txBody>
           <a:bodyPr bIns="0" lIns="0" rIns="0" tIns="0" wrap="none"/>
           <a:p>
             <a:pPr>
+              <a:lnSpc>
+                <a:spcPct val="100000"/>
+              </a:lnSpc>
               <a:buSzPct val="25000"/>
               <a:buFont typeface="StarSymbol"/>
-              <a:buChar char=""/>
+              <a:buChar char="l"/>
             </a:pPr>
             <a:r>
               <a:rPr lang="fr-FR"/>
@@ -1907,48 +3175,53 @@
       </p:grpSpPr>
       <p:sp>
         <p:nvSpPr>
-          <p:cNvPr id="50" name="TextShape 1"/>
-          <p:cNvSpPr txBox="1"/>
+          <p:cNvPr id="83" name="CustomShape 1"/>
+          <p:cNvSpPr/>
           <p:nvPr/>
         </p:nvSpPr>
         <p:spPr>
           <a:xfrm>
             <a:off x="685800" y="2130480"/>
-            <a:ext cx="7772040" cy="1469520"/>
-          </a:xfrm>
-          <a:prstGeom prst="rect">
-            <a:avLst/>
-          </a:prstGeom>
-        </p:spPr>
-        <p:txBody>
-          <a:bodyPr anchor="ctr" bIns="0" lIns="0" rIns="0" tIns="0" wrap="none"/>
-          <a:p>
-            <a:endParaRPr/>
-          </a:p>
-        </p:txBody>
-      </p:sp>
-      <p:sp>
-        <p:nvSpPr>
-          <p:cNvPr id="51" name="TextShape 2"/>
-          <p:cNvSpPr txBox="1"/>
+            <a:ext cx="7771680" cy="1469160"/>
+          </a:xfrm>
+          <a:prstGeom prst="rect">
+            <a:avLst/>
+          </a:prstGeom>
+          <a:noFill/>
+          <a:ln>
+            <a:noFill/>
+          </a:ln>
+        </p:spPr>
+      </p:sp>
+      <p:sp>
+        <p:nvSpPr>
+          <p:cNvPr id="84" name="CustomShape 2"/>
+          <p:cNvSpPr/>
           <p:nvPr/>
         </p:nvSpPr>
         <p:spPr>
           <a:xfrm>
             <a:off x="457200" y="1604520"/>
-            <a:ext cx="8229240" cy="3977280"/>
-          </a:xfrm>
-          <a:prstGeom prst="rect">
-            <a:avLst/>
-          </a:prstGeom>
+            <a:ext cx="8228880" cy="3976920"/>
+          </a:xfrm>
+          <a:prstGeom prst="rect">
+            <a:avLst/>
+          </a:prstGeom>
+          <a:noFill/>
+          <a:ln>
+            <a:noFill/>
+          </a:ln>
         </p:spPr>
         <p:txBody>
           <a:bodyPr bIns="0" lIns="0" rIns="0" tIns="0" wrap="none"/>
           <a:p>
             <a:pPr>
+              <a:lnSpc>
+                <a:spcPct val="100000"/>
+              </a:lnSpc>
               <a:buSzPct val="25000"/>
               <a:buFont typeface="StarSymbol"/>
-              <a:buChar char=""/>
+              <a:buChar char="l"/>
             </a:pPr>
             <a:r>
               <a:rPr lang="fr-FR"/>
@@ -1982,48 +3255,53 @@
       </p:grpSpPr>
       <p:sp>
         <p:nvSpPr>
-          <p:cNvPr id="52" name="TextShape 1"/>
-          <p:cNvSpPr txBox="1"/>
+          <p:cNvPr id="85" name="CustomShape 1"/>
+          <p:cNvSpPr/>
           <p:nvPr/>
         </p:nvSpPr>
         <p:spPr>
           <a:xfrm>
             <a:off x="685800" y="2130480"/>
-            <a:ext cx="7772040" cy="1469520"/>
-          </a:xfrm>
-          <a:prstGeom prst="rect">
-            <a:avLst/>
-          </a:prstGeom>
-        </p:spPr>
-        <p:txBody>
-          <a:bodyPr anchor="ctr" bIns="0" lIns="0" rIns="0" tIns="0" wrap="none"/>
-          <a:p>
-            <a:endParaRPr/>
-          </a:p>
-        </p:txBody>
-      </p:sp>
-      <p:sp>
-        <p:nvSpPr>
-          <p:cNvPr id="53" name="TextShape 2"/>
-          <p:cNvSpPr txBox="1"/>
+            <a:ext cx="7771680" cy="1469160"/>
+          </a:xfrm>
+          <a:prstGeom prst="rect">
+            <a:avLst/>
+          </a:prstGeom>
+          <a:noFill/>
+          <a:ln>
+            <a:noFill/>
+          </a:ln>
+        </p:spPr>
+      </p:sp>
+      <p:sp>
+        <p:nvSpPr>
+          <p:cNvPr id="86" name="CustomShape 2"/>
+          <p:cNvSpPr/>
           <p:nvPr/>
         </p:nvSpPr>
         <p:spPr>
           <a:xfrm>
             <a:off x="457200" y="1604520"/>
-            <a:ext cx="8229240" cy="3977280"/>
-          </a:xfrm>
-          <a:prstGeom prst="rect">
-            <a:avLst/>
-          </a:prstGeom>
+            <a:ext cx="8228880" cy="3976920"/>
+          </a:xfrm>
+          <a:prstGeom prst="rect">
+            <a:avLst/>
+          </a:prstGeom>
+          <a:noFill/>
+          <a:ln>
+            <a:noFill/>
+          </a:ln>
         </p:spPr>
         <p:txBody>
           <a:bodyPr bIns="0" lIns="0" rIns="0" tIns="0" wrap="none"/>
           <a:p>
             <a:pPr>
+              <a:lnSpc>
+                <a:spcPct val="100000"/>
+              </a:lnSpc>
               <a:buSzPct val="25000"/>
               <a:buFont typeface="StarSymbol"/>
-              <a:buChar char=""/>
+              <a:buChar char="l"/>
             </a:pPr>
             <a:r>
               <a:rPr lang="fr-FR"/>
@@ -2031,10 +3309,64 @@
             </a:r>
             <a:endParaRPr/>
           </a:p>
+          <a:p>
+            <a:pPr>
+              <a:lnSpc>
+                <a:spcPct val="100000"/>
+              </a:lnSpc>
+              <a:buSzPct val="25000"/>
+              <a:buFont typeface="StarSymbol"/>
+              <a:buChar char="l"/>
+            </a:pPr>
+            <a:endParaRPr/>
+          </a:p>
+          <a:p>
+            <a:pPr>
+              <a:lnSpc>
+                <a:spcPct val="100000"/>
+              </a:lnSpc>
+            </a:pPr>
+            <a:r>
+              <a:rPr lang="fr-FR"/>
+              <a:t>    </a:t>
+            </a:r>
+            <a:r>
+              <a:rPr lang="fr-FR"/>
+              <a:t>The act of tabularizing, or the state of being tabularized; formation into tables; tabulation.</a:t>
+            </a:r>
+            <a:endParaRPr/>
+          </a:p>
         </p:txBody>
       </p:sp>
     </p:spTree>
   </p:cSld>
+  <p:timing>
+    <p:tnLst>
+      <p:par>
+        <p:cTn dur="indefinite" id="1" nodeType="tmRoot" restart="never">
+          <p:childTnLst>
+            <p:seq>
+              <p:cTn id="2" nodeType="mainSeq"/>
+              <p:prevCondLst>
+                <p:cond delay="0" evt="onPrev">
+                  <p:tgtEl>
+                    <p:sldTgt/>
+                  </p:tgtEl>
+                </p:cond>
+              </p:prevCondLst>
+              <p:nextCondLst>
+                <p:cond delay="0" evt="onNext">
+                  <p:tgtEl>
+                    <p:sldTgt/>
+                  </p:tgtEl>
+                </p:cond>
+              </p:nextCondLst>
+            </p:seq>
+          </p:childTnLst>
+        </p:cTn>
+      </p:par>
+    </p:tnLst>
+  </p:timing>
 </p:sld>
 </file>
 
@@ -2259,4 +3591,227 @@
     </a:fmtScheme>
   </a:themeElements>
 </a:theme>
+</file>
+
+<file path=ppt/theme/theme2.xml><?xml version="1.0" encoding="utf-8"?>
+<a:theme xmlns:a="http://schemas.openxmlformats.org/drawingml/2006/main" name="Office Theme">
+  <a:themeElements>
+    <a:clrScheme name="Office">
+      <a:dk1>
+        <a:sysClr val="windowText" lastClr="000000"/>
+      </a:dk1>
+      <a:lt1>
+        <a:sysClr val="window" lastClr="FFFFFF"/>
+      </a:lt1>
+      <a:dk2>
+        <a:srgbClr val="1F497D"/>
+      </a:dk2>
+      <a:lt2>
+        <a:srgbClr val="EEECE1"/>
+      </a:lt2>
+      <a:accent1>
+        <a:srgbClr val="4F81BD"/>
+      </a:accent1>
+      <a:accent2>
+        <a:srgbClr val="C0504D"/>
+      </a:accent2>
+      <a:accent3>
+        <a:srgbClr val="9BBB59"/>
+      </a:accent3>
+      <a:accent4>
+        <a:srgbClr val="8064A2"/>
+      </a:accent4>
+      <a:accent5>
+        <a:srgbClr val="4BACC6"/>
+      </a:accent5>
+      <a:accent6>
+        <a:srgbClr val="F79646"/>
+      </a:accent6>
+      <a:hlink>
+        <a:srgbClr val="0000FF"/>
+      </a:hlink>
+      <a:folHlink>
+        <a:srgbClr val="800080"/>
+      </a:folHlink>
+    </a:clrScheme>
+    <a:fontScheme name="Office">
+      <a:majorFont>
+        <a:latin typeface="Arial"/>
+        <a:ea typeface="DejaVu Sans"/>
+        <a:cs typeface="DejaVu Sans"/>
+      </a:majorFont>
+      <a:minorFont>
+        <a:latin typeface="Arial"/>
+        <a:ea typeface="DejaVu Sans"/>
+        <a:cs typeface="DejaVu Sans"/>
+      </a:minorFont>
+    </a:fontScheme>
+    <a:fmtScheme name="Office">
+      <a:fillStyleLst>
+        <a:solidFill>
+          <a:schemeClr val="phClr"/>
+        </a:solidFill>
+        <a:gradFill rotWithShape="1">
+          <a:gsLst>
+            <a:gs pos="0">
+              <a:schemeClr val="phClr">
+                <a:tint val="50000"/>
+                <a:satMod val="300000"/>
+              </a:schemeClr>
+            </a:gs>
+            <a:gs pos="35000">
+              <a:schemeClr val="phClr">
+                <a:tint val="37000"/>
+                <a:satMod val="300000"/>
+              </a:schemeClr>
+            </a:gs>
+            <a:gs pos="100000">
+              <a:schemeClr val="phClr">
+                <a:tint val="15000"/>
+                <a:satMod val="350000"/>
+              </a:schemeClr>
+            </a:gs>
+          </a:gsLst>
+          <a:lin ang="16200000" scaled="1"/>
+        </a:gradFill>
+        <a:gradFill rotWithShape="1">
+          <a:gsLst>
+            <a:gs pos="0">
+              <a:schemeClr val="phClr">
+                <a:shade val="51000"/>
+                <a:satMod val="130000"/>
+              </a:schemeClr>
+            </a:gs>
+            <a:gs pos="80000">
+              <a:schemeClr val="phClr">
+                <a:shade val="93000"/>
+                <a:satMod val="130000"/>
+              </a:schemeClr>
+            </a:gs>
+            <a:gs pos="100000">
+              <a:schemeClr val="phClr">
+                <a:shade val="94000"/>
+                <a:satMod val="135000"/>
+              </a:schemeClr>
+            </a:gs>
+          </a:gsLst>
+          <a:lin ang="16200000" scaled="0"/>
+        </a:gradFill>
+      </a:fillStyleLst>
+      <a:lnStyleLst>
+        <a:ln w="9525" cap="flat" cmpd="sng" algn="ctr">
+          <a:solidFill>
+            <a:schemeClr val="phClr">
+              <a:shade val="95000"/>
+              <a:satMod val="105000"/>
+            </a:schemeClr>
+          </a:solidFill>
+          <a:prstDash val="solid"/>
+        </a:ln>
+        <a:ln w="25400" cap="flat" cmpd="sng" algn="ctr">
+          <a:solidFill>
+            <a:schemeClr val="phClr"/>
+          </a:solidFill>
+          <a:prstDash val="solid"/>
+        </a:ln>
+        <a:ln w="38100" cap="flat" cmpd="sng" algn="ctr">
+          <a:solidFill>
+            <a:schemeClr val="phClr"/>
+          </a:solidFill>
+          <a:prstDash val="solid"/>
+        </a:ln>
+      </a:lnStyleLst>
+      <a:effectStyleLst>
+        <a:effectStyle>
+          <a:effectLst>
+            <a:outerShdw blurRad="40000" dist="20000" dir="5400000" rotWithShape="0">
+              <a:srgbClr val="000000">
+                <a:alpha val="38000"/>
+              </a:srgbClr>
+            </a:outerShdw>
+          </a:effectLst>
+        </a:effectStyle>
+        <a:effectStyle>
+          <a:effectLst>
+            <a:outerShdw blurRad="40000" dist="23000" dir="5400000" rotWithShape="0">
+              <a:srgbClr val="000000">
+                <a:alpha val="35000"/>
+              </a:srgbClr>
+            </a:outerShdw>
+          </a:effectLst>
+        </a:effectStyle>
+        <a:effectStyle>
+          <a:effectLst>
+            <a:outerShdw blurRad="40000" dist="23000" dir="5400000" rotWithShape="0">
+              <a:srgbClr val="000000">
+                <a:alpha val="35000"/>
+              </a:srgbClr>
+            </a:outerShdw>
+          </a:effectLst>
+          <a:scene3d>
+            <a:camera prst="orthographicFront">
+              <a:rot lat="0" lon="0" rev="0"/>
+            </a:camera>
+            <a:lightRig rig="threePt" dir="t">
+              <a:rot lat="0" lon="0" rev="1200000"/>
+            </a:lightRig>
+          </a:scene3d>
+          <a:sp3d>
+            <a:bevelT w="63500" h="25400"/>
+          </a:sp3d>
+        </a:effectStyle>
+      </a:effectStyleLst>
+      <a:bgFillStyleLst>
+        <a:solidFill>
+          <a:schemeClr val="phClr"/>
+        </a:solidFill>
+        <a:gradFill rotWithShape="1">
+          <a:gsLst>
+            <a:gs pos="0">
+              <a:schemeClr val="phClr">
+                <a:tint val="40000"/>
+                <a:satMod val="350000"/>
+              </a:schemeClr>
+            </a:gs>
+            <a:gs pos="40000">
+              <a:schemeClr val="phClr">
+                <a:tint val="45000"/>
+                <a:shade val="99000"/>
+                <a:satMod val="350000"/>
+              </a:schemeClr>
+            </a:gs>
+            <a:gs pos="100000">
+              <a:schemeClr val="phClr">
+                <a:shade val="20000"/>
+                <a:satMod val="255000"/>
+              </a:schemeClr>
+            </a:gs>
+          </a:gsLst>
+          <a:path path="circle">
+            <a:fillToRect l="50000" t="-80000" r="50000" b="180000"/>
+          </a:path>
+        </a:gradFill>
+        <a:gradFill rotWithShape="1">
+          <a:gsLst>
+            <a:gs pos="0">
+              <a:schemeClr val="phClr">
+                <a:tint val="80000"/>
+                <a:satMod val="300000"/>
+              </a:schemeClr>
+            </a:gs>
+            <a:gs pos="100000">
+              <a:schemeClr val="phClr">
+                <a:shade val="30000"/>
+                <a:satMod val="200000"/>
+              </a:schemeClr>
+            </a:gs>
+          </a:gsLst>
+          <a:path path="circle">
+            <a:fillToRect l="50000" t="50000" r="50000" b="50000"/>
+          </a:path>
+        </a:gradFill>
+      </a:bgFillStyleLst>
+    </a:fmtScheme>
+  </a:themeElements>
+</a:theme>
 </file>
--- a/rapport/slides.pptx
+++ b/rapport/slides.pptx
@@ -13,6 +13,11 @@
     <p:sldId id="260" r:id="rId8"/>
     <p:sldId id="261" r:id="rId9"/>
     <p:sldId id="262" r:id="rId10"/>
+    <p:sldId id="263" r:id="rId11"/>
+    <p:sldId id="264" r:id="rId12"/>
+    <p:sldId id="265" r:id="rId13"/>
+    <p:sldId id="266" r:id="rId14"/>
+    <p:sldId id="267" r:id="rId15"/>
   </p:sldIdLst>
   <p:sldSz cx="9144000" cy="6858000"/>
   <p:notesSz cx="7559675" cy="10691812"/>
@@ -70,8 +75,8 @@
         </p:nvSpPr>
         <p:spPr>
           <a:xfrm>
-            <a:off x="685800" y="2130480"/>
-            <a:ext cx="7771680" cy="1469880"/>
+            <a:off x="457200" y="273600"/>
+            <a:ext cx="8229240" cy="1145160"/>
           </a:xfrm>
           <a:prstGeom prst="rect">
             <a:avLst/>
@@ -98,7 +103,7 @@
         <p:spPr>
           <a:xfrm>
             <a:off x="457200" y="1604520"/>
-            <a:ext cx="8228880" cy="1896480"/>
+            <a:ext cx="8229240" cy="1896840"/>
           </a:xfrm>
           <a:prstGeom prst="rect">
             <a:avLst/>
@@ -123,8 +128,8 @@
         </p:nvSpPr>
         <p:spPr>
           <a:xfrm>
-            <a:off x="457200" y="3681360"/>
-            <a:ext cx="8228880" cy="1896480"/>
+            <a:off x="457200" y="3681720"/>
+            <a:ext cx="8229240" cy="1896840"/>
           </a:xfrm>
           <a:prstGeom prst="rect">
             <a:avLst/>
@@ -171,8 +176,8 @@
         </p:nvSpPr>
         <p:spPr>
           <a:xfrm>
-            <a:off x="685800" y="2130480"/>
-            <a:ext cx="7771680" cy="1469880"/>
+            <a:off x="457200" y="273600"/>
+            <a:ext cx="8229240" cy="1145160"/>
           </a:xfrm>
           <a:prstGeom prst="rect">
             <a:avLst/>
@@ -199,7 +204,7 @@
         <p:spPr>
           <a:xfrm>
             <a:off x="457200" y="1604520"/>
-            <a:ext cx="4015440" cy="1896480"/>
+            <a:ext cx="4015440" cy="1896840"/>
           </a:xfrm>
           <a:prstGeom prst="rect">
             <a:avLst/>
@@ -225,7 +230,7 @@
         <p:spPr>
           <a:xfrm>
             <a:off x="4673520" y="1604520"/>
-            <a:ext cx="4015440" cy="1896480"/>
+            <a:ext cx="4015440" cy="1896840"/>
           </a:xfrm>
           <a:prstGeom prst="rect">
             <a:avLst/>
@@ -250,8 +255,8 @@
         </p:nvSpPr>
         <p:spPr>
           <a:xfrm>
-            <a:off x="4673520" y="3681360"/>
-            <a:ext cx="4015440" cy="1896480"/>
+            <a:off x="4673520" y="3681720"/>
+            <a:ext cx="4015440" cy="1896840"/>
           </a:xfrm>
           <a:prstGeom prst="rect">
             <a:avLst/>
@@ -276,8 +281,8 @@
         </p:nvSpPr>
         <p:spPr>
           <a:xfrm>
-            <a:off x="457200" y="3681360"/>
-            <a:ext cx="4015440" cy="1896480"/>
+            <a:off x="457200" y="3681720"/>
+            <a:ext cx="4015440" cy="1896840"/>
           </a:xfrm>
           <a:prstGeom prst="rect">
             <a:avLst/>
@@ -324,8 +329,8 @@
         </p:nvSpPr>
         <p:spPr>
           <a:xfrm>
-            <a:off x="685800" y="2130480"/>
-            <a:ext cx="7771680" cy="1469880"/>
+            <a:off x="457200" y="273600"/>
+            <a:ext cx="8229240" cy="1145160"/>
           </a:xfrm>
           <a:prstGeom prst="rect">
             <a:avLst/>
@@ -352,7 +357,7 @@
         <p:spPr>
           <a:xfrm>
             <a:off x="457200" y="1604520"/>
-            <a:ext cx="4015440" cy="1896480"/>
+            <a:ext cx="4015440" cy="1896840"/>
           </a:xfrm>
           <a:prstGeom prst="rect">
             <a:avLst/>
@@ -378,7 +383,7 @@
         <p:spPr>
           <a:xfrm>
             <a:off x="4673520" y="1604520"/>
-            <a:ext cx="4015440" cy="1896480"/>
+            <a:ext cx="4015440" cy="1896840"/>
           </a:xfrm>
           <a:prstGeom prst="rect">
             <a:avLst/>
@@ -405,8 +410,8 @@
         </p:blipFill>
         <p:spPr>
           <a:xfrm>
-            <a:off x="5492880" y="3681360"/>
-            <a:ext cx="2376720" cy="1896480"/>
+            <a:off x="5491800" y="3681360"/>
+            <a:ext cx="2378520" cy="1896840"/>
           </a:xfrm>
           <a:prstGeom prst="rect">
             <a:avLst/>
@@ -430,8 +435,8 @@
         </p:blipFill>
         <p:spPr>
           <a:xfrm>
-            <a:off x="1276560" y="3681360"/>
-            <a:ext cx="2376720" cy="1896480"/>
+            <a:off x="1275480" y="3681360"/>
+            <a:ext cx="2378520" cy="1896840"/>
           </a:xfrm>
           <a:prstGeom prst="rect">
             <a:avLst/>
@@ -497,8 +502,8 @@
         </p:nvSpPr>
         <p:spPr>
           <a:xfrm>
-            <a:off x="685800" y="2130480"/>
-            <a:ext cx="7771680" cy="1469880"/>
+            <a:off x="457200" y="273600"/>
+            <a:ext cx="8229240" cy="1145160"/>
           </a:xfrm>
           <a:prstGeom prst="rect">
             <a:avLst/>
@@ -525,7 +530,7 @@
         <p:spPr>
           <a:xfrm>
             <a:off x="457200" y="1604520"/>
-            <a:ext cx="8228880" cy="3977280"/>
+            <a:ext cx="8229240" cy="3977640"/>
           </a:xfrm>
           <a:prstGeom prst="rect">
             <a:avLst/>
@@ -573,8 +578,8 @@
         </p:nvSpPr>
         <p:spPr>
           <a:xfrm>
-            <a:off x="685800" y="2130480"/>
-            <a:ext cx="7771680" cy="1469880"/>
+            <a:off x="457200" y="273600"/>
+            <a:ext cx="8229240" cy="1145160"/>
           </a:xfrm>
           <a:prstGeom prst="rect">
             <a:avLst/>
@@ -601,7 +606,7 @@
         <p:spPr>
           <a:xfrm>
             <a:off x="457200" y="1604520"/>
-            <a:ext cx="8228880" cy="3976920"/>
+            <a:ext cx="8229240" cy="3977280"/>
           </a:xfrm>
           <a:prstGeom prst="rect">
             <a:avLst/>
@@ -648,8 +653,8 @@
         </p:nvSpPr>
         <p:spPr>
           <a:xfrm>
-            <a:off x="685800" y="2130480"/>
-            <a:ext cx="7771680" cy="1469880"/>
+            <a:off x="457200" y="273600"/>
+            <a:ext cx="8229240" cy="1145160"/>
           </a:xfrm>
           <a:prstGeom prst="rect">
             <a:avLst/>
@@ -676,7 +681,7 @@
         <p:spPr>
           <a:xfrm>
             <a:off x="457200" y="1604520"/>
-            <a:ext cx="4015440" cy="3976920"/>
+            <a:ext cx="4015440" cy="3977280"/>
           </a:xfrm>
           <a:prstGeom prst="rect">
             <a:avLst/>
@@ -702,7 +707,7 @@
         <p:spPr>
           <a:xfrm>
             <a:off x="4673520" y="1604520"/>
-            <a:ext cx="4015440" cy="3976920"/>
+            <a:ext cx="4015440" cy="3977280"/>
           </a:xfrm>
           <a:prstGeom prst="rect">
             <a:avLst/>
@@ -749,8 +754,8 @@
         </p:nvSpPr>
         <p:spPr>
           <a:xfrm>
-            <a:off x="685800" y="2130480"/>
-            <a:ext cx="7771680" cy="1469880"/>
+            <a:off x="457200" y="273600"/>
+            <a:ext cx="8229240" cy="1145160"/>
           </a:xfrm>
           <a:prstGeom prst="rect">
             <a:avLst/>
@@ -798,8 +803,8 @@
         </p:nvSpPr>
         <p:spPr>
           <a:xfrm>
-            <a:off x="685800" y="2130480"/>
-            <a:ext cx="7771680" cy="3450960"/>
+            <a:off x="457200" y="273600"/>
+            <a:ext cx="8229240" cy="5308200"/>
           </a:xfrm>
           <a:prstGeom prst="rect">
             <a:avLst/>
@@ -847,8 +852,8 @@
         </p:nvSpPr>
         <p:spPr>
           <a:xfrm>
-            <a:off x="685800" y="2130480"/>
-            <a:ext cx="7771680" cy="1469880"/>
+            <a:off x="457200" y="273600"/>
+            <a:ext cx="8229240" cy="1145160"/>
           </a:xfrm>
           <a:prstGeom prst="rect">
             <a:avLst/>
@@ -875,7 +880,7 @@
         <p:spPr>
           <a:xfrm>
             <a:off x="457200" y="1604520"/>
-            <a:ext cx="4015440" cy="1896480"/>
+            <a:ext cx="4015440" cy="1896840"/>
           </a:xfrm>
           <a:prstGeom prst="rect">
             <a:avLst/>
@@ -900,8 +905,8 @@
         </p:nvSpPr>
         <p:spPr>
           <a:xfrm>
-            <a:off x="457200" y="3681360"/>
-            <a:ext cx="4015440" cy="1896480"/>
+            <a:off x="457200" y="3681720"/>
+            <a:ext cx="4015440" cy="1896840"/>
           </a:xfrm>
           <a:prstGeom prst="rect">
             <a:avLst/>
@@ -927,7 +932,7 @@
         <p:spPr>
           <a:xfrm>
             <a:off x="4673520" y="1604520"/>
-            <a:ext cx="4015440" cy="3976920"/>
+            <a:ext cx="4015440" cy="3977280"/>
           </a:xfrm>
           <a:prstGeom prst="rect">
             <a:avLst/>
@@ -974,8 +979,8 @@
         </p:nvSpPr>
         <p:spPr>
           <a:xfrm>
-            <a:off x="685800" y="2130480"/>
-            <a:ext cx="7771680" cy="1469880"/>
+            <a:off x="457200" y="273600"/>
+            <a:ext cx="8229240" cy="1145160"/>
           </a:xfrm>
           <a:prstGeom prst="rect">
             <a:avLst/>
@@ -1002,7 +1007,7 @@
         <p:spPr>
           <a:xfrm>
             <a:off x="457200" y="1604520"/>
-            <a:ext cx="8228880" cy="3977280"/>
+            <a:ext cx="8229240" cy="3977640"/>
           </a:xfrm>
           <a:prstGeom prst="rect">
             <a:avLst/>
@@ -1050,8 +1055,8 @@
         </p:nvSpPr>
         <p:spPr>
           <a:xfrm>
-            <a:off x="685800" y="2130480"/>
-            <a:ext cx="7771680" cy="1469880"/>
+            <a:off x="457200" y="273600"/>
+            <a:ext cx="8229240" cy="1145160"/>
           </a:xfrm>
           <a:prstGeom prst="rect">
             <a:avLst/>
@@ -1078,7 +1083,7 @@
         <p:spPr>
           <a:xfrm>
             <a:off x="457200" y="1604520"/>
-            <a:ext cx="4015440" cy="3976920"/>
+            <a:ext cx="4015440" cy="3977280"/>
           </a:xfrm>
           <a:prstGeom prst="rect">
             <a:avLst/>
@@ -1104,7 +1109,7 @@
         <p:spPr>
           <a:xfrm>
             <a:off x="4673520" y="1604520"/>
-            <a:ext cx="4015440" cy="1896480"/>
+            <a:ext cx="4015440" cy="1896840"/>
           </a:xfrm>
           <a:prstGeom prst="rect">
             <a:avLst/>
@@ -1129,8 +1134,8 @@
         </p:nvSpPr>
         <p:spPr>
           <a:xfrm>
-            <a:off x="4673520" y="3681360"/>
-            <a:ext cx="4015440" cy="1896480"/>
+            <a:off x="4673520" y="3681720"/>
+            <a:ext cx="4015440" cy="1896840"/>
           </a:xfrm>
           <a:prstGeom prst="rect">
             <a:avLst/>
@@ -1177,8 +1182,8 @@
         </p:nvSpPr>
         <p:spPr>
           <a:xfrm>
-            <a:off x="685800" y="2130480"/>
-            <a:ext cx="7771680" cy="1469880"/>
+            <a:off x="457200" y="273600"/>
+            <a:ext cx="8229240" cy="1145160"/>
           </a:xfrm>
           <a:prstGeom prst="rect">
             <a:avLst/>
@@ -1205,7 +1210,7 @@
         <p:spPr>
           <a:xfrm>
             <a:off x="457200" y="1604520"/>
-            <a:ext cx="4015440" cy="1896480"/>
+            <a:ext cx="4015440" cy="1896840"/>
           </a:xfrm>
           <a:prstGeom prst="rect">
             <a:avLst/>
@@ -1231,7 +1236,7 @@
         <p:spPr>
           <a:xfrm>
             <a:off x="4673520" y="1604520"/>
-            <a:ext cx="4015440" cy="1896480"/>
+            <a:ext cx="4015440" cy="1896840"/>
           </a:xfrm>
           <a:prstGeom prst="rect">
             <a:avLst/>
@@ -1256,8 +1261,8 @@
         </p:nvSpPr>
         <p:spPr>
           <a:xfrm>
-            <a:off x="457200" y="3681360"/>
-            <a:ext cx="8228520" cy="1896480"/>
+            <a:off x="457200" y="3681720"/>
+            <a:ext cx="8228520" cy="1896840"/>
           </a:xfrm>
           <a:prstGeom prst="rect">
             <a:avLst/>
@@ -1304,8 +1309,8 @@
         </p:nvSpPr>
         <p:spPr>
           <a:xfrm>
-            <a:off x="685800" y="2130480"/>
-            <a:ext cx="7771680" cy="1469880"/>
+            <a:off x="457200" y="273600"/>
+            <a:ext cx="8229240" cy="1145160"/>
           </a:xfrm>
           <a:prstGeom prst="rect">
             <a:avLst/>
@@ -1332,7 +1337,7 @@
         <p:spPr>
           <a:xfrm>
             <a:off x="457200" y="1604520"/>
-            <a:ext cx="8228880" cy="1896480"/>
+            <a:ext cx="8229240" cy="1896840"/>
           </a:xfrm>
           <a:prstGeom prst="rect">
             <a:avLst/>
@@ -1357,8 +1362,8 @@
         </p:nvSpPr>
         <p:spPr>
           <a:xfrm>
-            <a:off x="457200" y="3681360"/>
-            <a:ext cx="8228880" cy="1896480"/>
+            <a:off x="457200" y="3681720"/>
+            <a:ext cx="8229240" cy="1896840"/>
           </a:xfrm>
           <a:prstGeom prst="rect">
             <a:avLst/>
@@ -1405,8 +1410,8 @@
         </p:nvSpPr>
         <p:spPr>
           <a:xfrm>
-            <a:off x="685800" y="2130480"/>
-            <a:ext cx="7771680" cy="1469880"/>
+            <a:off x="457200" y="273600"/>
+            <a:ext cx="8229240" cy="1145160"/>
           </a:xfrm>
           <a:prstGeom prst="rect">
             <a:avLst/>
@@ -1433,7 +1438,7 @@
         <p:spPr>
           <a:xfrm>
             <a:off x="457200" y="1604520"/>
-            <a:ext cx="4015440" cy="1896480"/>
+            <a:ext cx="4015440" cy="1896840"/>
           </a:xfrm>
           <a:prstGeom prst="rect">
             <a:avLst/>
@@ -1459,7 +1464,7 @@
         <p:spPr>
           <a:xfrm>
             <a:off x="4673520" y="1604520"/>
-            <a:ext cx="4015440" cy="1896480"/>
+            <a:ext cx="4015440" cy="1896840"/>
           </a:xfrm>
           <a:prstGeom prst="rect">
             <a:avLst/>
@@ -1484,8 +1489,8 @@
         </p:nvSpPr>
         <p:spPr>
           <a:xfrm>
-            <a:off x="4673520" y="3681360"/>
-            <a:ext cx="4015440" cy="1896480"/>
+            <a:off x="4673520" y="3681720"/>
+            <a:ext cx="4015440" cy="1896840"/>
           </a:xfrm>
           <a:prstGeom prst="rect">
             <a:avLst/>
@@ -1510,8 +1515,8 @@
         </p:nvSpPr>
         <p:spPr>
           <a:xfrm>
-            <a:off x="457200" y="3681360"/>
-            <a:ext cx="4015440" cy="1896480"/>
+            <a:off x="457200" y="3681720"/>
+            <a:ext cx="4015440" cy="1896840"/>
           </a:xfrm>
           <a:prstGeom prst="rect">
             <a:avLst/>
@@ -1558,8 +1563,8 @@
         </p:nvSpPr>
         <p:spPr>
           <a:xfrm>
-            <a:off x="685800" y="2130480"/>
-            <a:ext cx="7771680" cy="1469880"/>
+            <a:off x="457200" y="273600"/>
+            <a:ext cx="8229240" cy="1145160"/>
           </a:xfrm>
           <a:prstGeom prst="rect">
             <a:avLst/>
@@ -1586,7 +1591,7 @@
         <p:spPr>
           <a:xfrm>
             <a:off x="457200" y="1604520"/>
-            <a:ext cx="4015440" cy="1896480"/>
+            <a:ext cx="4015440" cy="1896840"/>
           </a:xfrm>
           <a:prstGeom prst="rect">
             <a:avLst/>
@@ -1612,7 +1617,7 @@
         <p:spPr>
           <a:xfrm>
             <a:off x="4673520" y="1604520"/>
-            <a:ext cx="4015440" cy="1896480"/>
+            <a:ext cx="4015440" cy="1896840"/>
           </a:xfrm>
           <a:prstGeom prst="rect">
             <a:avLst/>
@@ -1639,8 +1644,8 @@
         </p:blipFill>
         <p:spPr>
           <a:xfrm>
-            <a:off x="5492880" y="3681360"/>
-            <a:ext cx="2376720" cy="1896480"/>
+            <a:off x="5491800" y="3681360"/>
+            <a:ext cx="2378520" cy="1896840"/>
           </a:xfrm>
           <a:prstGeom prst="rect">
             <a:avLst/>
@@ -1664,8 +1669,8 @@
         </p:blipFill>
         <p:spPr>
           <a:xfrm>
-            <a:off x="1276560" y="3681360"/>
-            <a:ext cx="2376720" cy="1896480"/>
+            <a:off x="1275480" y="3681360"/>
+            <a:ext cx="2378520" cy="1896840"/>
           </a:xfrm>
           <a:prstGeom prst="rect">
             <a:avLst/>
@@ -1709,8 +1714,8 @@
         </p:nvSpPr>
         <p:spPr>
           <a:xfrm>
-            <a:off x="685800" y="2130480"/>
-            <a:ext cx="7771680" cy="1469880"/>
+            <a:off x="457200" y="273600"/>
+            <a:ext cx="8229240" cy="1145160"/>
           </a:xfrm>
           <a:prstGeom prst="rect">
             <a:avLst/>
@@ -1737,7 +1742,7 @@
         <p:spPr>
           <a:xfrm>
             <a:off x="457200" y="1604520"/>
-            <a:ext cx="8228880" cy="3976920"/>
+            <a:ext cx="8229240" cy="3977280"/>
           </a:xfrm>
           <a:prstGeom prst="rect">
             <a:avLst/>
@@ -1784,8 +1789,8 @@
         </p:nvSpPr>
         <p:spPr>
           <a:xfrm>
-            <a:off x="685800" y="2130480"/>
-            <a:ext cx="7771680" cy="1469880"/>
+            <a:off x="457200" y="273600"/>
+            <a:ext cx="8229240" cy="1145160"/>
           </a:xfrm>
           <a:prstGeom prst="rect">
             <a:avLst/>
@@ -1812,7 +1817,7 @@
         <p:spPr>
           <a:xfrm>
             <a:off x="457200" y="1604520"/>
-            <a:ext cx="4015440" cy="3976920"/>
+            <a:ext cx="4015440" cy="3977280"/>
           </a:xfrm>
           <a:prstGeom prst="rect">
             <a:avLst/>
@@ -1838,7 +1843,7 @@
         <p:spPr>
           <a:xfrm>
             <a:off x="4673520" y="1604520"/>
-            <a:ext cx="4015440" cy="3976920"/>
+            <a:ext cx="4015440" cy="3977280"/>
           </a:xfrm>
           <a:prstGeom prst="rect">
             <a:avLst/>
@@ -1885,8 +1890,8 @@
         </p:nvSpPr>
         <p:spPr>
           <a:xfrm>
-            <a:off x="685800" y="2130480"/>
-            <a:ext cx="7771680" cy="1469880"/>
+            <a:off x="457200" y="273600"/>
+            <a:ext cx="8229240" cy="1145160"/>
           </a:xfrm>
           <a:prstGeom prst="rect">
             <a:avLst/>
@@ -1934,8 +1939,8 @@
         </p:nvSpPr>
         <p:spPr>
           <a:xfrm>
-            <a:off x="685800" y="2130480"/>
-            <a:ext cx="7771680" cy="3450960"/>
+            <a:off x="457200" y="273600"/>
+            <a:ext cx="8229240" cy="5308200"/>
           </a:xfrm>
           <a:prstGeom prst="rect">
             <a:avLst/>
@@ -1983,8 +1988,8 @@
         </p:nvSpPr>
         <p:spPr>
           <a:xfrm>
-            <a:off x="685800" y="2130480"/>
-            <a:ext cx="7771680" cy="1469880"/>
+            <a:off x="457200" y="273600"/>
+            <a:ext cx="8229240" cy="1145160"/>
           </a:xfrm>
           <a:prstGeom prst="rect">
             <a:avLst/>
@@ -2011,7 +2016,7 @@
         <p:spPr>
           <a:xfrm>
             <a:off x="457200" y="1604520"/>
-            <a:ext cx="4015440" cy="1896480"/>
+            <a:ext cx="4015440" cy="1896840"/>
           </a:xfrm>
           <a:prstGeom prst="rect">
             <a:avLst/>
@@ -2036,8 +2041,8 @@
         </p:nvSpPr>
         <p:spPr>
           <a:xfrm>
-            <a:off x="457200" y="3681360"/>
-            <a:ext cx="4015440" cy="1896480"/>
+            <a:off x="457200" y="3681720"/>
+            <a:ext cx="4015440" cy="1896840"/>
           </a:xfrm>
           <a:prstGeom prst="rect">
             <a:avLst/>
@@ -2063,7 +2068,7 @@
         <p:spPr>
           <a:xfrm>
             <a:off x="4673520" y="1604520"/>
-            <a:ext cx="4015440" cy="3976920"/>
+            <a:ext cx="4015440" cy="3977280"/>
           </a:xfrm>
           <a:prstGeom prst="rect">
             <a:avLst/>
@@ -2110,8 +2115,8 @@
         </p:nvSpPr>
         <p:spPr>
           <a:xfrm>
-            <a:off x="685800" y="2130480"/>
-            <a:ext cx="7771680" cy="1469880"/>
+            <a:off x="457200" y="273600"/>
+            <a:ext cx="8229240" cy="1145160"/>
           </a:xfrm>
           <a:prstGeom prst="rect">
             <a:avLst/>
@@ -2138,7 +2143,7 @@
         <p:spPr>
           <a:xfrm>
             <a:off x="457200" y="1604520"/>
-            <a:ext cx="4015440" cy="3976920"/>
+            <a:ext cx="4015440" cy="3977280"/>
           </a:xfrm>
           <a:prstGeom prst="rect">
             <a:avLst/>
@@ -2164,7 +2169,7 @@
         <p:spPr>
           <a:xfrm>
             <a:off x="4673520" y="1604520"/>
-            <a:ext cx="4015440" cy="1896480"/>
+            <a:ext cx="4015440" cy="1896840"/>
           </a:xfrm>
           <a:prstGeom prst="rect">
             <a:avLst/>
@@ -2189,8 +2194,8 @@
         </p:nvSpPr>
         <p:spPr>
           <a:xfrm>
-            <a:off x="4673520" y="3681360"/>
-            <a:ext cx="4015440" cy="1896480"/>
+            <a:off x="4673520" y="3681720"/>
+            <a:ext cx="4015440" cy="1896840"/>
           </a:xfrm>
           <a:prstGeom prst="rect">
             <a:avLst/>
@@ -2237,8 +2242,8 @@
         </p:nvSpPr>
         <p:spPr>
           <a:xfrm>
-            <a:off x="685800" y="2130480"/>
-            <a:ext cx="7771680" cy="1469880"/>
+            <a:off x="457200" y="273600"/>
+            <a:ext cx="8229240" cy="1145160"/>
           </a:xfrm>
           <a:prstGeom prst="rect">
             <a:avLst/>
@@ -2265,7 +2270,7 @@
         <p:spPr>
           <a:xfrm>
             <a:off x="457200" y="1604520"/>
-            <a:ext cx="4015440" cy="1896480"/>
+            <a:ext cx="4015440" cy="1896840"/>
           </a:xfrm>
           <a:prstGeom prst="rect">
             <a:avLst/>
@@ -2291,7 +2296,7 @@
         <p:spPr>
           <a:xfrm>
             <a:off x="4673520" y="1604520"/>
-            <a:ext cx="4015440" cy="1896480"/>
+            <a:ext cx="4015440" cy="1896840"/>
           </a:xfrm>
           <a:prstGeom prst="rect">
             <a:avLst/>
@@ -2316,8 +2321,8 @@
         </p:nvSpPr>
         <p:spPr>
           <a:xfrm>
-            <a:off x="457200" y="3681360"/>
-            <a:ext cx="8228520" cy="1896480"/>
+            <a:off x="457200" y="3681720"/>
+            <a:ext cx="8228520" cy="1896840"/>
           </a:xfrm>
           <a:prstGeom prst="rect">
             <a:avLst/>
@@ -2372,7 +2377,7 @@
         <p:spPr>
           <a:xfrm>
             <a:off x="685800" y="2130480"/>
-            <a:ext cx="7771680" cy="1469520"/>
+            <a:ext cx="7771320" cy="1469520"/>
           </a:xfrm>
           <a:prstGeom prst="rect">
             <a:avLst/>
@@ -2402,7 +2407,7 @@
         <p:spPr>
           <a:xfrm>
             <a:off x="457200" y="1604520"/>
-            <a:ext cx="8229240" cy="3977280"/>
+            <a:ext cx="8228520" cy="3976560"/>
           </a:xfrm>
           <a:prstGeom prst="rect">
             <a:avLst/>
@@ -2552,8 +2557,8 @@
         </p:nvSpPr>
         <p:spPr>
           <a:xfrm>
-            <a:off x="685800" y="2130480"/>
-            <a:ext cx="7771680" cy="1469520"/>
+            <a:off x="457200" y="273600"/>
+            <a:ext cx="8229240" cy="1144800"/>
           </a:xfrm>
           <a:prstGeom prst="rect">
             <a:avLst/>
@@ -2562,6 +2567,7 @@
         <p:txBody>
           <a:bodyPr anchor="ctr" bIns="0" lIns="0" rIns="0" tIns="0" wrap="none"/>
           <a:p>
+            <a:pPr algn="ctr"/>
             <a:r>
               <a:rPr lang="fr-FR"/>
               <a:t>Cliquez pour éditer le format du texte-titre</a:t>
@@ -2583,7 +2589,7 @@
         <p:spPr>
           <a:xfrm>
             <a:off x="457200" y="1604520"/>
-            <a:ext cx="8228880" cy="3976920"/>
+            <a:ext cx="8229240" cy="3977280"/>
           </a:xfrm>
           <a:prstGeom prst="rect">
             <a:avLst/>
@@ -2729,7 +2735,7 @@
         <p:spPr>
           <a:xfrm>
             <a:off x="-252360" y="-2520"/>
-            <a:ext cx="9612360" cy="6840000"/>
+            <a:ext cx="9612000" cy="6839640"/>
           </a:xfrm>
           <a:prstGeom prst="rect">
             <a:avLst/>
@@ -2748,7 +2754,7 @@
         <p:spPr>
           <a:xfrm>
             <a:off x="667800" y="1947960"/>
-            <a:ext cx="7771680" cy="1469160"/>
+            <a:ext cx="7771320" cy="1468800"/>
           </a:xfrm>
           <a:prstGeom prst="rect">
             <a:avLst/>
@@ -2789,7 +2795,7 @@
         <p:spPr>
           <a:xfrm>
             <a:off x="1331640" y="5924880"/>
-            <a:ext cx="8240400" cy="910080"/>
+            <a:ext cx="8240040" cy="909720"/>
           </a:xfrm>
           <a:prstGeom prst="rect">
             <a:avLst/>
@@ -2815,524 +2821,7 @@
                 <a:latin typeface="Open Sans Light"/>
                 <a:ea typeface="Open Sans Light"/>
               </a:rPr>
-              <a:t>David wong, Hugo Bonin, Jacques Monin</a:t>
-            </a:r>
-            <a:endParaRPr/>
-          </a:p>
-        </p:txBody>
-      </p:sp>
-    </p:spTree>
-  </p:cSld>
-</p:sld>
-</file>
-
-<file path=ppt/slides/slide2.xml><?xml version="1.0" encoding="utf-8"?>
-<p:sld xmlns:a="http://schemas.openxmlformats.org/drawingml/2006/main" xmlns:p="http://schemas.openxmlformats.org/presentationml/2006/main" xmlns:r="http://schemas.openxmlformats.org/officeDocument/2006/relationships">
-  <p:cSld>
-    <p:spTree>
-      <p:nvGrpSpPr>
-        <p:cNvPr id="1" name=""/>
-        <p:cNvGrpSpPr/>
-        <p:nvPr/>
-      </p:nvGrpSpPr>
-      <p:grpSpPr>
-        <a:xfrm>
-          <a:off x="0" y="0"/>
-          <a:ext cx="0" cy="0"/>
-          <a:chOff x="0" y="0"/>
-          <a:chExt cx="0" cy="0"/>
-        </a:xfrm>
-      </p:grpSpPr>
-      <p:sp>
-        <p:nvSpPr>
-          <p:cNvPr id="75" name="CustomShape 1"/>
-          <p:cNvSpPr/>
-          <p:nvPr/>
-        </p:nvSpPr>
-        <p:spPr>
-          <a:xfrm>
-            <a:off x="685800" y="2130480"/>
-            <a:ext cx="7771680" cy="1469160"/>
-          </a:xfrm>
-          <a:prstGeom prst="rect">
-            <a:avLst/>
-          </a:prstGeom>
-          <a:noFill/>
-          <a:ln>
-            <a:noFill/>
-          </a:ln>
-        </p:spPr>
-        <p:txBody>
-          <a:bodyPr anchor="ctr" bIns="0" lIns="0" rIns="0" tIns="0" wrap="none"/>
-          <a:p>
-            <a:r>
-              <a:rPr lang="fr-FR"/>
-              <a:t>« quand on m'explique quelque chose sans me dire en quoi c'est utile, ou dans quoi c'est utilisé, j'ai souvent du mal à comprendre »</a:t>
-            </a:r>
-            <a:endParaRPr/>
-          </a:p>
-        </p:txBody>
-      </p:sp>
-      <p:sp>
-        <p:nvSpPr>
-          <p:cNvPr id="76" name="CustomShape 2"/>
-          <p:cNvSpPr/>
-          <p:nvPr/>
-        </p:nvSpPr>
-        <p:spPr>
-          <a:xfrm>
-            <a:off x="457200" y="1604520"/>
-            <a:ext cx="8228880" cy="3976920"/>
-          </a:xfrm>
-          <a:prstGeom prst="rect">
-            <a:avLst/>
-          </a:prstGeom>
-          <a:noFill/>
-          <a:ln>
-            <a:noFill/>
-          </a:ln>
-        </p:spPr>
-        <p:txBody>
-          <a:bodyPr bIns="0" lIns="0" rIns="0" tIns="0" wrap="none"/>
-          <a:p>
-            <a:pPr>
-              <a:lnSpc>
-                <a:spcPct val="100000"/>
-              </a:lnSpc>
-              <a:buSzPct val="25000"/>
-              <a:buFont typeface="StarSymbol"/>
-              <a:buChar char="l"/>
-            </a:pPr>
-            <a:r>
-              <a:rPr lang="fr-FR"/>
-              <a:t>Pourquoi ?</a:t>
-            </a:r>
-            <a:endParaRPr/>
-          </a:p>
-        </p:txBody>
-      </p:sp>
-    </p:spTree>
-  </p:cSld>
-</p:sld>
-</file>
-
-<file path=ppt/slides/slide3.xml><?xml version="1.0" encoding="utf-8"?>
-<p:sld xmlns:a="http://schemas.openxmlformats.org/drawingml/2006/main" xmlns:p="http://schemas.openxmlformats.org/presentationml/2006/main" xmlns:r="http://schemas.openxmlformats.org/officeDocument/2006/relationships">
-  <p:cSld>
-    <p:spTree>
-      <p:nvGrpSpPr>
-        <p:cNvPr id="1" name=""/>
-        <p:cNvGrpSpPr/>
-        <p:nvPr/>
-      </p:nvGrpSpPr>
-      <p:grpSpPr>
-        <a:xfrm>
-          <a:off x="0" y="0"/>
-          <a:ext cx="0" cy="0"/>
-          <a:chOff x="0" y="0"/>
-          <a:chExt cx="0" cy="0"/>
-        </a:xfrm>
-      </p:grpSpPr>
-      <p:sp>
-        <p:nvSpPr>
-          <p:cNvPr id="77" name="CustomShape 1"/>
-          <p:cNvSpPr/>
-          <p:nvPr/>
-        </p:nvSpPr>
-        <p:spPr>
-          <a:xfrm>
-            <a:off x="685800" y="2130480"/>
-            <a:ext cx="7771680" cy="1469160"/>
-          </a:xfrm>
-          <a:prstGeom prst="rect">
-            <a:avLst/>
-          </a:prstGeom>
-          <a:noFill/>
-          <a:ln>
-            <a:noFill/>
-          </a:ln>
-        </p:spPr>
-      </p:sp>
-      <p:sp>
-        <p:nvSpPr>
-          <p:cNvPr id="78" name="CustomShape 2"/>
-          <p:cNvSpPr/>
-          <p:nvPr/>
-        </p:nvSpPr>
-        <p:spPr>
-          <a:xfrm>
-            <a:off x="457200" y="1604520"/>
-            <a:ext cx="8228880" cy="3976920"/>
-          </a:xfrm>
-          <a:prstGeom prst="rect">
-            <a:avLst/>
-          </a:prstGeom>
-          <a:noFill/>
-          <a:ln>
-            <a:noFill/>
-          </a:ln>
-        </p:spPr>
-        <p:txBody>
-          <a:bodyPr bIns="0" lIns="0" rIns="0" tIns="0" wrap="none"/>
-          <a:p>
-            <a:pPr>
-              <a:lnSpc>
-                <a:spcPct val="100000"/>
-              </a:lnSpc>
-              <a:buSzPct val="25000"/>
-              <a:buFont typeface="StarSymbol"/>
-              <a:buChar char="l"/>
-            </a:pPr>
-            <a:r>
-              <a:rPr lang="fr-FR"/>
-              <a:t>DRMs</a:t>
-            </a:r>
-            <a:endParaRPr/>
-          </a:p>
-        </p:txBody>
-      </p:sp>
-    </p:spTree>
-  </p:cSld>
-</p:sld>
-</file>
-
-<file path=ppt/slides/slide4.xml><?xml version="1.0" encoding="utf-8"?>
-<p:sld xmlns:a="http://schemas.openxmlformats.org/drawingml/2006/main" xmlns:p="http://schemas.openxmlformats.org/presentationml/2006/main" xmlns:r="http://schemas.openxmlformats.org/officeDocument/2006/relationships">
-  <p:cSld>
-    <p:spTree>
-      <p:nvGrpSpPr>
-        <p:cNvPr id="1" name=""/>
-        <p:cNvGrpSpPr/>
-        <p:nvPr/>
-      </p:nvGrpSpPr>
-      <p:grpSpPr>
-        <a:xfrm>
-          <a:off x="0" y="0"/>
-          <a:ext cx="0" cy="0"/>
-          <a:chOff x="0" y="0"/>
-          <a:chExt cx="0" cy="0"/>
-        </a:xfrm>
-      </p:grpSpPr>
-      <p:sp>
-        <p:nvSpPr>
-          <p:cNvPr id="79" name="CustomShape 1"/>
-          <p:cNvSpPr/>
-          <p:nvPr/>
-        </p:nvSpPr>
-        <p:spPr>
-          <a:xfrm>
-            <a:off x="685800" y="2130480"/>
-            <a:ext cx="7771680" cy="1469160"/>
-          </a:xfrm>
-          <a:prstGeom prst="rect">
-            <a:avLst/>
-          </a:prstGeom>
-          <a:noFill/>
-          <a:ln>
-            <a:noFill/>
-          </a:ln>
-        </p:spPr>
-      </p:sp>
-      <p:sp>
-        <p:nvSpPr>
-          <p:cNvPr id="80" name="CustomShape 2"/>
-          <p:cNvSpPr/>
-          <p:nvPr/>
-        </p:nvSpPr>
-        <p:spPr>
-          <a:xfrm>
-            <a:off x="457200" y="1604520"/>
-            <a:ext cx="8228880" cy="3976920"/>
-          </a:xfrm>
-          <a:prstGeom prst="rect">
-            <a:avLst/>
-          </a:prstGeom>
-          <a:noFill/>
-          <a:ln>
-            <a:noFill/>
-          </a:ln>
-        </p:spPr>
-        <p:txBody>
-          <a:bodyPr bIns="0" lIns="0" rIns="0" tIns="0" wrap="none"/>
-          <a:p>
-            <a:pPr>
-              <a:lnSpc>
-                <a:spcPct val="100000"/>
-              </a:lnSpc>
-              <a:buSzPct val="25000"/>
-              <a:buFont typeface="StarSymbol"/>
-              <a:buChar char="l"/>
-            </a:pPr>
-            <a:r>
-              <a:rPr lang="fr-FR"/>
-              <a:t>Backdoors</a:t>
-            </a:r>
-            <a:endParaRPr/>
-          </a:p>
-        </p:txBody>
-      </p:sp>
-    </p:spTree>
-  </p:cSld>
-</p:sld>
-</file>
-
-<file path=ppt/slides/slide5.xml><?xml version="1.0" encoding="utf-8"?>
-<p:sld xmlns:a="http://schemas.openxmlformats.org/drawingml/2006/main" xmlns:p="http://schemas.openxmlformats.org/presentationml/2006/main" xmlns:r="http://schemas.openxmlformats.org/officeDocument/2006/relationships">
-  <p:cSld>
-    <p:spTree>
-      <p:nvGrpSpPr>
-        <p:cNvPr id="1" name=""/>
-        <p:cNvGrpSpPr/>
-        <p:nvPr/>
-      </p:nvGrpSpPr>
-      <p:grpSpPr>
-        <a:xfrm>
-          <a:off x="0" y="0"/>
-          <a:ext cx="0" cy="0"/>
-          <a:chOff x="0" y="0"/>
-          <a:chExt cx="0" cy="0"/>
-        </a:xfrm>
-      </p:grpSpPr>
-      <p:sp>
-        <p:nvSpPr>
-          <p:cNvPr id="81" name="CustomShape 1"/>
-          <p:cNvSpPr/>
-          <p:nvPr/>
-        </p:nvSpPr>
-        <p:spPr>
-          <a:xfrm>
-            <a:off x="685800" y="2130480"/>
-            <a:ext cx="7771680" cy="1469160"/>
-          </a:xfrm>
-          <a:prstGeom prst="rect">
-            <a:avLst/>
-          </a:prstGeom>
-          <a:noFill/>
-          <a:ln>
-            <a:noFill/>
-          </a:ln>
-        </p:spPr>
-      </p:sp>
-      <p:sp>
-        <p:nvSpPr>
-          <p:cNvPr id="82" name="CustomShape 2"/>
-          <p:cNvSpPr/>
-          <p:nvPr/>
-        </p:nvSpPr>
-        <p:spPr>
-          <a:xfrm>
-            <a:off x="457200" y="1604520"/>
-            <a:ext cx="8228880" cy="3976920"/>
-          </a:xfrm>
-          <a:prstGeom prst="rect">
-            <a:avLst/>
-          </a:prstGeom>
-          <a:noFill/>
-          <a:ln>
-            <a:noFill/>
-          </a:ln>
-        </p:spPr>
-        <p:txBody>
-          <a:bodyPr bIns="0" lIns="0" rIns="0" tIns="0" wrap="none"/>
-          <a:p>
-            <a:pPr>
-              <a:lnSpc>
-                <a:spcPct val="100000"/>
-              </a:lnSpc>
-              <a:buSzPct val="25000"/>
-              <a:buFont typeface="StarSymbol"/>
-              <a:buChar char="l"/>
-            </a:pPr>
-            <a:r>
-              <a:rPr lang="fr-FR"/>
-              <a:t>DES</a:t>
-            </a:r>
-            <a:endParaRPr/>
-          </a:p>
-        </p:txBody>
-      </p:sp>
-    </p:spTree>
-  </p:cSld>
-</p:sld>
-</file>
-
-<file path=ppt/slides/slide6.xml><?xml version="1.0" encoding="utf-8"?>
-<p:sld xmlns:a="http://schemas.openxmlformats.org/drawingml/2006/main" xmlns:p="http://schemas.openxmlformats.org/presentationml/2006/main" xmlns:r="http://schemas.openxmlformats.org/officeDocument/2006/relationships">
-  <p:cSld>
-    <p:spTree>
-      <p:nvGrpSpPr>
-        <p:cNvPr id="1" name=""/>
-        <p:cNvGrpSpPr/>
-        <p:nvPr/>
-      </p:nvGrpSpPr>
-      <p:grpSpPr>
-        <a:xfrm>
-          <a:off x="0" y="0"/>
-          <a:ext cx="0" cy="0"/>
-          <a:chOff x="0" y="0"/>
-          <a:chExt cx="0" cy="0"/>
-        </a:xfrm>
-      </p:grpSpPr>
-      <p:sp>
-        <p:nvSpPr>
-          <p:cNvPr id="83" name="CustomShape 1"/>
-          <p:cNvSpPr/>
-          <p:nvPr/>
-        </p:nvSpPr>
-        <p:spPr>
-          <a:xfrm>
-            <a:off x="685800" y="2130480"/>
-            <a:ext cx="7771680" cy="1469160"/>
-          </a:xfrm>
-          <a:prstGeom prst="rect">
-            <a:avLst/>
-          </a:prstGeom>
-          <a:noFill/>
-          <a:ln>
-            <a:noFill/>
-          </a:ln>
-        </p:spPr>
-      </p:sp>
-      <p:sp>
-        <p:nvSpPr>
-          <p:cNvPr id="84" name="CustomShape 2"/>
-          <p:cNvSpPr/>
-          <p:nvPr/>
-        </p:nvSpPr>
-        <p:spPr>
-          <a:xfrm>
-            <a:off x="457200" y="1604520"/>
-            <a:ext cx="8228880" cy="3976920"/>
-          </a:xfrm>
-          <a:prstGeom prst="rect">
-            <a:avLst/>
-          </a:prstGeom>
-          <a:noFill/>
-          <a:ln>
-            <a:noFill/>
-          </a:ln>
-        </p:spPr>
-        <p:txBody>
-          <a:bodyPr bIns="0" lIns="0" rIns="0" tIns="0" wrap="none"/>
-          <a:p>
-            <a:pPr>
-              <a:lnSpc>
-                <a:spcPct val="100000"/>
-              </a:lnSpc>
-              <a:buSzPct val="25000"/>
-              <a:buFont typeface="StarSymbol"/>
-              <a:buChar char="l"/>
-            </a:pPr>
-            <a:r>
-              <a:rPr lang="fr-FR"/>
-              <a:t>Partial Evaluation</a:t>
-            </a:r>
-            <a:endParaRPr/>
-          </a:p>
-        </p:txBody>
-      </p:sp>
-    </p:spTree>
-  </p:cSld>
-</p:sld>
-</file>
-
-<file path=ppt/slides/slide7.xml><?xml version="1.0" encoding="utf-8"?>
-<p:sld xmlns:a="http://schemas.openxmlformats.org/drawingml/2006/main" xmlns:p="http://schemas.openxmlformats.org/presentationml/2006/main" xmlns:r="http://schemas.openxmlformats.org/officeDocument/2006/relationships">
-  <p:cSld>
-    <p:spTree>
-      <p:nvGrpSpPr>
-        <p:cNvPr id="1" name=""/>
-        <p:cNvGrpSpPr/>
-        <p:nvPr/>
-      </p:nvGrpSpPr>
-      <p:grpSpPr>
-        <a:xfrm>
-          <a:off x="0" y="0"/>
-          <a:ext cx="0" cy="0"/>
-          <a:chOff x="0" y="0"/>
-          <a:chExt cx="0" cy="0"/>
-        </a:xfrm>
-      </p:grpSpPr>
-      <p:sp>
-        <p:nvSpPr>
-          <p:cNvPr id="85" name="CustomShape 1"/>
-          <p:cNvSpPr/>
-          <p:nvPr/>
-        </p:nvSpPr>
-        <p:spPr>
-          <a:xfrm>
-            <a:off x="685800" y="2130480"/>
-            <a:ext cx="7771680" cy="1469160"/>
-          </a:xfrm>
-          <a:prstGeom prst="rect">
-            <a:avLst/>
-          </a:prstGeom>
-          <a:noFill/>
-          <a:ln>
-            <a:noFill/>
-          </a:ln>
-        </p:spPr>
-      </p:sp>
-      <p:sp>
-        <p:nvSpPr>
-          <p:cNvPr id="86" name="CustomShape 2"/>
-          <p:cNvSpPr/>
-          <p:nvPr/>
-        </p:nvSpPr>
-        <p:spPr>
-          <a:xfrm>
-            <a:off x="457200" y="1604520"/>
-            <a:ext cx="8228880" cy="3976920"/>
-          </a:xfrm>
-          <a:prstGeom prst="rect">
-            <a:avLst/>
-          </a:prstGeom>
-          <a:noFill/>
-          <a:ln>
-            <a:noFill/>
-          </a:ln>
-        </p:spPr>
-        <p:txBody>
-          <a:bodyPr bIns="0" lIns="0" rIns="0" tIns="0" wrap="none"/>
-          <a:p>
-            <a:pPr>
-              <a:lnSpc>
-                <a:spcPct val="100000"/>
-              </a:lnSpc>
-              <a:buSzPct val="25000"/>
-              <a:buFont typeface="StarSymbol"/>
-              <a:buChar char="l"/>
-            </a:pPr>
-            <a:r>
-              <a:rPr lang="fr-FR"/>
-              <a:t>Tabularization</a:t>
-            </a:r>
-            <a:endParaRPr/>
-          </a:p>
-          <a:p>
-            <a:pPr>
-              <a:lnSpc>
-                <a:spcPct val="100000"/>
-              </a:lnSpc>
-              <a:buSzPct val="25000"/>
-              <a:buFont typeface="StarSymbol"/>
-              <a:buChar char="l"/>
-            </a:pPr>
-            <a:endParaRPr/>
-          </a:p>
-          <a:p>
-            <a:pPr>
-              <a:lnSpc>
-                <a:spcPct val="100000"/>
-              </a:lnSpc>
-            </a:pPr>
-            <a:r>
-              <a:rPr lang="fr-FR"/>
-              <a:t>    </a:t>
-            </a:r>
-            <a:r>
-              <a:rPr lang="fr-FR"/>
-              <a:t>The act of tabularizing, or the state of being tabularized; formation into tables; tabulation.</a:t>
+              <a:t>David Wong, Hugo Bonin, Jacques Monin</a:t>
             </a:r>
             <a:endParaRPr/>
           </a:p>
@@ -3367,6 +2856,870 @@
       </p:par>
     </p:tnLst>
   </p:timing>
+</p:sld>
+</file>
+
+<file path=ppt/slides/slide10.xml><?xml version="1.0" encoding="utf-8"?>
+<p:sld xmlns:a="http://schemas.openxmlformats.org/drawingml/2006/main" xmlns:p="http://schemas.openxmlformats.org/presentationml/2006/main" xmlns:r="http://schemas.openxmlformats.org/officeDocument/2006/relationships">
+  <p:cSld>
+    <p:spTree>
+      <p:nvGrpSpPr>
+        <p:cNvPr id="1" name=""/>
+        <p:cNvGrpSpPr/>
+        <p:nvPr/>
+      </p:nvGrpSpPr>
+      <p:grpSpPr>
+        <a:xfrm>
+          <a:off x="0" y="0"/>
+          <a:ext cx="0" cy="0"/>
+          <a:chOff x="0" y="0"/>
+          <a:chExt cx="0" cy="0"/>
+        </a:xfrm>
+      </p:grpSpPr>
+      <p:sp>
+        <p:nvSpPr>
+          <p:cNvPr id="90" name="CustomShape 1"/>
+          <p:cNvSpPr/>
+          <p:nvPr/>
+        </p:nvSpPr>
+        <p:spPr>
+          <a:xfrm>
+            <a:off x="685800" y="2130480"/>
+            <a:ext cx="7771320" cy="1468800"/>
+          </a:xfrm>
+          <a:prstGeom prst="rect">
+            <a:avLst/>
+          </a:prstGeom>
+          <a:noFill/>
+          <a:ln>
+            <a:noFill/>
+          </a:ln>
+        </p:spPr>
+      </p:sp>
+      <p:sp>
+        <p:nvSpPr>
+          <p:cNvPr id="91" name="CustomShape 2"/>
+          <p:cNvSpPr/>
+          <p:nvPr/>
+        </p:nvSpPr>
+        <p:spPr>
+          <a:xfrm>
+            <a:off x="457200" y="1604520"/>
+            <a:ext cx="8228520" cy="3976560"/>
+          </a:xfrm>
+          <a:prstGeom prst="rect">
+            <a:avLst/>
+          </a:prstGeom>
+          <a:noFill/>
+          <a:ln>
+            <a:noFill/>
+          </a:ln>
+        </p:spPr>
+        <p:txBody>
+          <a:bodyPr bIns="0" lIns="0" rIns="0" tIns="0" wrap="none"/>
+          <a:p>
+            <a:pPr>
+              <a:lnSpc>
+                <a:spcPct val="100000"/>
+              </a:lnSpc>
+              <a:buSzPct val="25000"/>
+              <a:buFont typeface="StarSymbol"/>
+              <a:buChar char="l"/>
+            </a:pPr>
+            <a:r>
+              <a:rPr lang="fr-FR"/>
+              <a:t>Tabularization</a:t>
+            </a:r>
+            <a:endParaRPr/>
+          </a:p>
+          <a:p>
+            <a:pPr>
+              <a:lnSpc>
+                <a:spcPct val="100000"/>
+              </a:lnSpc>
+            </a:pPr>
+            <a:endParaRPr/>
+          </a:p>
+          <a:p>
+            <a:pPr>
+              <a:lnSpc>
+                <a:spcPct val="100000"/>
+              </a:lnSpc>
+            </a:pPr>
+            <a:r>
+              <a:rPr lang="fr-FR"/>
+              <a:t>    </a:t>
+            </a:r>
+            <a:r>
+              <a:rPr lang="fr-FR"/>
+              <a:t>The act of tabularizing, or the state of being tabularized; formation into tables; tabulation.</a:t>
+            </a:r>
+            <a:endParaRPr/>
+          </a:p>
+        </p:txBody>
+      </p:sp>
+    </p:spTree>
+  </p:cSld>
+  <p:timing>
+    <p:tnLst>
+      <p:par>
+        <p:cTn dur="indefinite" id="7" nodeType="tmRoot" restart="never">
+          <p:childTnLst>
+            <p:seq>
+              <p:cTn id="8" nodeType="mainSeq"/>
+              <p:prevCondLst>
+                <p:cond delay="0" evt="onPrev">
+                  <p:tgtEl>
+                    <p:sldTgt/>
+                  </p:tgtEl>
+                </p:cond>
+              </p:prevCondLst>
+              <p:nextCondLst>
+                <p:cond delay="0" evt="onNext">
+                  <p:tgtEl>
+                    <p:sldTgt/>
+                  </p:tgtEl>
+                </p:cond>
+              </p:nextCondLst>
+            </p:seq>
+          </p:childTnLst>
+        </p:cTn>
+      </p:par>
+    </p:tnLst>
+  </p:timing>
+</p:sld>
+</file>
+
+<file path=ppt/slides/slide11.xml><?xml version="1.0" encoding="utf-8"?>
+<p:sld xmlns:a="http://schemas.openxmlformats.org/drawingml/2006/main" xmlns:p="http://schemas.openxmlformats.org/presentationml/2006/main" xmlns:r="http://schemas.openxmlformats.org/officeDocument/2006/relationships">
+  <p:cSld>
+    <p:spTree>
+      <p:nvGrpSpPr>
+        <p:cNvPr id="1" name=""/>
+        <p:cNvGrpSpPr/>
+        <p:nvPr/>
+      </p:nvGrpSpPr>
+      <p:grpSpPr>
+        <a:xfrm>
+          <a:off x="0" y="0"/>
+          <a:ext cx="0" cy="0"/>
+          <a:chOff x="0" y="0"/>
+          <a:chExt cx="0" cy="0"/>
+        </a:xfrm>
+      </p:grpSpPr>
+      <p:sp>
+        <p:nvSpPr>
+          <p:cNvPr id="92" name="TextShape 1"/>
+          <p:cNvSpPr txBox="1"/>
+          <p:nvPr/>
+        </p:nvSpPr>
+        <p:spPr>
+          <a:xfrm>
+            <a:off x="576000" y="3600000"/>
+            <a:ext cx="2160000" cy="602280"/>
+          </a:xfrm>
+          <a:prstGeom prst="rect">
+            <a:avLst/>
+          </a:prstGeom>
+        </p:spPr>
+        <p:txBody>
+          <a:bodyPr bIns="45000" lIns="90000" rIns="90000" tIns="45000" wrap="none"/>
+          <a:p>
+            <a:r>
+              <a:rPr lang="fr-FR"/>
+              <a:t>Input/Output Encoding</a:t>
+            </a:r>
+            <a:endParaRPr/>
+          </a:p>
+        </p:txBody>
+      </p:sp>
+    </p:spTree>
+  </p:cSld>
+</p:sld>
+</file>
+
+<file path=ppt/slides/slide12.xml><?xml version="1.0" encoding="utf-8"?>
+<p:sld xmlns:a="http://schemas.openxmlformats.org/drawingml/2006/main" xmlns:p="http://schemas.openxmlformats.org/presentationml/2006/main" xmlns:r="http://schemas.openxmlformats.org/officeDocument/2006/relationships">
+  <p:cSld>
+    <p:spTree>
+      <p:nvGrpSpPr>
+        <p:cNvPr id="1" name=""/>
+        <p:cNvGrpSpPr/>
+        <p:nvPr/>
+      </p:nvGrpSpPr>
+      <p:grpSpPr>
+        <a:xfrm>
+          <a:off x="0" y="0"/>
+          <a:ext cx="0" cy="0"/>
+          <a:chOff x="0" y="0"/>
+          <a:chExt cx="0" cy="0"/>
+        </a:xfrm>
+      </p:grpSpPr>
+    </p:spTree>
+  </p:cSld>
+</p:sld>
+</file>
+
+<file path=ppt/slides/slide2.xml><?xml version="1.0" encoding="utf-8"?>
+<p:sld xmlns:a="http://schemas.openxmlformats.org/drawingml/2006/main" xmlns:p="http://schemas.openxmlformats.org/presentationml/2006/main" xmlns:r="http://schemas.openxmlformats.org/officeDocument/2006/relationships">
+  <p:cSld>
+    <p:spTree>
+      <p:nvGrpSpPr>
+        <p:cNvPr id="1" name=""/>
+        <p:cNvGrpSpPr/>
+        <p:nvPr/>
+      </p:nvGrpSpPr>
+      <p:grpSpPr>
+        <a:xfrm>
+          <a:off x="0" y="0"/>
+          <a:ext cx="0" cy="0"/>
+          <a:chOff x="0" y="0"/>
+          <a:chExt cx="0" cy="0"/>
+        </a:xfrm>
+      </p:grpSpPr>
+      <p:sp>
+        <p:nvSpPr>
+          <p:cNvPr id="75" name="CustomShape 1"/>
+          <p:cNvSpPr/>
+          <p:nvPr/>
+        </p:nvSpPr>
+        <p:spPr>
+          <a:xfrm>
+            <a:off x="685800" y="2130480"/>
+            <a:ext cx="7771320" cy="1468800"/>
+          </a:xfrm>
+          <a:prstGeom prst="rect">
+            <a:avLst/>
+          </a:prstGeom>
+          <a:noFill/>
+          <a:ln>
+            <a:noFill/>
+          </a:ln>
+        </p:spPr>
+        <p:txBody>
+          <a:bodyPr anchor="ctr" bIns="0" lIns="0" rIns="0" tIns="0" wrap="none"/>
+          <a:p>
+            <a:r>
+              <a:rPr lang="fr-FR"/>
+              <a:t>« quand on m'explique quelque chose sans me dire en quoi c'est utile, ou dans quoi c'est utilisé, j'ai souvent du mal à comprendre »</a:t>
+            </a:r>
+            <a:endParaRPr/>
+          </a:p>
+        </p:txBody>
+      </p:sp>
+      <p:sp>
+        <p:nvSpPr>
+          <p:cNvPr id="76" name="CustomShape 2"/>
+          <p:cNvSpPr/>
+          <p:nvPr/>
+        </p:nvSpPr>
+        <p:spPr>
+          <a:xfrm>
+            <a:off x="457200" y="1604520"/>
+            <a:ext cx="8228520" cy="3976560"/>
+          </a:xfrm>
+          <a:prstGeom prst="rect">
+            <a:avLst/>
+          </a:prstGeom>
+          <a:noFill/>
+          <a:ln>
+            <a:noFill/>
+          </a:ln>
+        </p:spPr>
+        <p:txBody>
+          <a:bodyPr bIns="0" lIns="0" rIns="0" tIns="0" wrap="none"/>
+          <a:p>
+            <a:pPr>
+              <a:lnSpc>
+                <a:spcPct val="100000"/>
+              </a:lnSpc>
+              <a:buSzPct val="25000"/>
+              <a:buFont typeface="StarSymbol"/>
+              <a:buChar char="l"/>
+            </a:pPr>
+            <a:r>
+              <a:rPr lang="fr-FR"/>
+              <a:t>Pourquoi ?</a:t>
+            </a:r>
+            <a:endParaRPr/>
+          </a:p>
+        </p:txBody>
+      </p:sp>
+    </p:spTree>
+  </p:cSld>
+</p:sld>
+</file>
+
+<file path=ppt/slides/slide3.xml><?xml version="1.0" encoding="utf-8"?>
+<p:sld xmlns:a="http://schemas.openxmlformats.org/drawingml/2006/main" xmlns:p="http://schemas.openxmlformats.org/presentationml/2006/main" xmlns:r="http://schemas.openxmlformats.org/officeDocument/2006/relationships">
+  <p:cSld>
+    <p:spTree>
+      <p:nvGrpSpPr>
+        <p:cNvPr id="1" name=""/>
+        <p:cNvGrpSpPr/>
+        <p:nvPr/>
+      </p:nvGrpSpPr>
+      <p:grpSpPr>
+        <a:xfrm>
+          <a:off x="0" y="0"/>
+          <a:ext cx="0" cy="0"/>
+          <a:chOff x="0" y="0"/>
+          <a:chExt cx="0" cy="0"/>
+        </a:xfrm>
+      </p:grpSpPr>
+      <p:sp>
+        <p:nvSpPr>
+          <p:cNvPr id="77" name="TextShape 1"/>
+          <p:cNvSpPr txBox="1"/>
+          <p:nvPr/>
+        </p:nvSpPr>
+        <p:spPr>
+          <a:xfrm>
+            <a:off x="720000" y="1008000"/>
+            <a:ext cx="2520000" cy="346320"/>
+          </a:xfrm>
+          <a:prstGeom prst="rect">
+            <a:avLst/>
+          </a:prstGeom>
+        </p:spPr>
+        <p:txBody>
+          <a:bodyPr bIns="45000" lIns="90000" rIns="90000" tIns="45000" wrap="none"/>
+          <a:p>
+            <a:r>
+              <a:rPr lang="fr-FR"/>
+              <a:t>MAN IN THE MIDDLE</a:t>
+            </a:r>
+            <a:endParaRPr/>
+          </a:p>
+        </p:txBody>
+      </p:sp>
+    </p:spTree>
+  </p:cSld>
+  <p:timing>
+    <p:tnLst>
+      <p:par>
+        <p:cTn dur="indefinite" id="3" nodeType="tmRoot" restart="never">
+          <p:childTnLst>
+            <p:seq>
+              <p:cTn id="4" nodeType="mainSeq"/>
+              <p:prevCondLst>
+                <p:cond delay="0" evt="onPrev">
+                  <p:tgtEl>
+                    <p:sldTgt/>
+                  </p:tgtEl>
+                </p:cond>
+              </p:prevCondLst>
+              <p:nextCondLst>
+                <p:cond delay="0" evt="onNext">
+                  <p:tgtEl>
+                    <p:sldTgt/>
+                  </p:tgtEl>
+                </p:cond>
+              </p:nextCondLst>
+            </p:seq>
+          </p:childTnLst>
+        </p:cTn>
+      </p:par>
+    </p:tnLst>
+  </p:timing>
+</p:sld>
+</file>
+
+<file path=ppt/slides/slide4.xml><?xml version="1.0" encoding="utf-8"?>
+<p:sld xmlns:a="http://schemas.openxmlformats.org/drawingml/2006/main" xmlns:p="http://schemas.openxmlformats.org/presentationml/2006/main" xmlns:r="http://schemas.openxmlformats.org/officeDocument/2006/relationships">
+  <p:cSld>
+    <p:spTree>
+      <p:nvGrpSpPr>
+        <p:cNvPr id="1" name=""/>
+        <p:cNvGrpSpPr/>
+        <p:nvPr/>
+      </p:nvGrpSpPr>
+      <p:grpSpPr>
+        <a:xfrm>
+          <a:off x="0" y="0"/>
+          <a:ext cx="0" cy="0"/>
+          <a:chOff x="0" y="0"/>
+          <a:chExt cx="0" cy="0"/>
+        </a:xfrm>
+      </p:grpSpPr>
+      <p:sp>
+        <p:nvSpPr>
+          <p:cNvPr id="78" name="TextShape 1"/>
+          <p:cNvSpPr txBox="1"/>
+          <p:nvPr/>
+        </p:nvSpPr>
+        <p:spPr>
+          <a:xfrm>
+            <a:off x="504000" y="2376000"/>
+            <a:ext cx="5904000" cy="346320"/>
+          </a:xfrm>
+          <a:prstGeom prst="rect">
+            <a:avLst/>
+          </a:prstGeom>
+        </p:spPr>
+        <p:txBody>
+          <a:bodyPr bIns="45000" lIns="90000" rIns="90000" tIns="45000" wrap="none"/>
+          <a:p>
+            <a:r>
+              <a:rPr lang="fr-FR"/>
+              <a:t>MAN AT THE END</a:t>
+            </a:r>
+            <a:endParaRPr/>
+          </a:p>
+        </p:txBody>
+      </p:sp>
+    </p:spTree>
+  </p:cSld>
+</p:sld>
+</file>
+
+<file path=ppt/slides/slide5.xml><?xml version="1.0" encoding="utf-8"?>
+<p:sld xmlns:a="http://schemas.openxmlformats.org/drawingml/2006/main" xmlns:p="http://schemas.openxmlformats.org/presentationml/2006/main" xmlns:r="http://schemas.openxmlformats.org/officeDocument/2006/relationships">
+  <p:cSld>
+    <p:spTree>
+      <p:nvGrpSpPr>
+        <p:cNvPr id="1" name=""/>
+        <p:cNvGrpSpPr/>
+        <p:nvPr/>
+      </p:nvGrpSpPr>
+      <p:grpSpPr>
+        <a:xfrm>
+          <a:off x="0" y="0"/>
+          <a:ext cx="0" cy="0"/>
+          <a:chOff x="0" y="0"/>
+          <a:chExt cx="0" cy="0"/>
+        </a:xfrm>
+      </p:grpSpPr>
+      <p:sp>
+        <p:nvSpPr>
+          <p:cNvPr id="79" name="CustomShape 1"/>
+          <p:cNvSpPr/>
+          <p:nvPr/>
+        </p:nvSpPr>
+        <p:spPr>
+          <a:xfrm>
+            <a:off x="685800" y="2130480"/>
+            <a:ext cx="7771320" cy="1468800"/>
+          </a:xfrm>
+          <a:prstGeom prst="rect">
+            <a:avLst/>
+          </a:prstGeom>
+          <a:noFill/>
+          <a:ln>
+            <a:noFill/>
+          </a:ln>
+        </p:spPr>
+      </p:sp>
+      <p:sp>
+        <p:nvSpPr>
+          <p:cNvPr id="80" name="CustomShape 2"/>
+          <p:cNvSpPr/>
+          <p:nvPr/>
+        </p:nvSpPr>
+        <p:spPr>
+          <a:xfrm>
+            <a:off x="457200" y="1604520"/>
+            <a:ext cx="8228520" cy="3976560"/>
+          </a:xfrm>
+          <a:prstGeom prst="rect">
+            <a:avLst/>
+          </a:prstGeom>
+          <a:noFill/>
+          <a:ln>
+            <a:noFill/>
+          </a:ln>
+        </p:spPr>
+        <p:txBody>
+          <a:bodyPr bIns="0" lIns="0" rIns="0" tIns="0" wrap="none"/>
+          <a:p>
+            <a:pPr>
+              <a:lnSpc>
+                <a:spcPct val="100000"/>
+              </a:lnSpc>
+              <a:buSzPct val="25000"/>
+              <a:buFont typeface="StarSymbol"/>
+              <a:buChar char="l"/>
+            </a:pPr>
+            <a:r>
+              <a:rPr lang="fr-FR"/>
+              <a:t>DRMs</a:t>
+            </a:r>
+            <a:endParaRPr/>
+          </a:p>
+        </p:txBody>
+      </p:sp>
+    </p:spTree>
+  </p:cSld>
+</p:sld>
+</file>
+
+<file path=ppt/slides/slide6.xml><?xml version="1.0" encoding="utf-8"?>
+<p:sld xmlns:a="http://schemas.openxmlformats.org/drawingml/2006/main" xmlns:p="http://schemas.openxmlformats.org/presentationml/2006/main" xmlns:r="http://schemas.openxmlformats.org/officeDocument/2006/relationships">
+  <p:cSld>
+    <p:spTree>
+      <p:nvGrpSpPr>
+        <p:cNvPr id="1" name=""/>
+        <p:cNvGrpSpPr/>
+        <p:nvPr/>
+      </p:nvGrpSpPr>
+      <p:grpSpPr>
+        <a:xfrm>
+          <a:off x="0" y="0"/>
+          <a:ext cx="0" cy="0"/>
+          <a:chOff x="0" y="0"/>
+          <a:chExt cx="0" cy="0"/>
+        </a:xfrm>
+      </p:grpSpPr>
+      <p:sp>
+        <p:nvSpPr>
+          <p:cNvPr id="81" name="CustomShape 1"/>
+          <p:cNvSpPr/>
+          <p:nvPr/>
+        </p:nvSpPr>
+        <p:spPr>
+          <a:xfrm>
+            <a:off x="685800" y="2130480"/>
+            <a:ext cx="7771320" cy="1468800"/>
+          </a:xfrm>
+          <a:prstGeom prst="rect">
+            <a:avLst/>
+          </a:prstGeom>
+          <a:noFill/>
+          <a:ln>
+            <a:noFill/>
+          </a:ln>
+        </p:spPr>
+      </p:sp>
+      <p:sp>
+        <p:nvSpPr>
+          <p:cNvPr id="82" name="CustomShape 2"/>
+          <p:cNvSpPr/>
+          <p:nvPr/>
+        </p:nvSpPr>
+        <p:spPr>
+          <a:xfrm>
+            <a:off x="457200" y="1604520"/>
+            <a:ext cx="8228520" cy="3976560"/>
+          </a:xfrm>
+          <a:prstGeom prst="rect">
+            <a:avLst/>
+          </a:prstGeom>
+          <a:noFill/>
+          <a:ln>
+            <a:noFill/>
+          </a:ln>
+        </p:spPr>
+        <p:txBody>
+          <a:bodyPr bIns="0" lIns="0" rIns="0" tIns="0" wrap="none"/>
+          <a:p>
+            <a:pPr>
+              <a:lnSpc>
+                <a:spcPct val="100000"/>
+              </a:lnSpc>
+              <a:buSzPct val="25000"/>
+              <a:buFont typeface="StarSymbol"/>
+              <a:buChar char="l"/>
+            </a:pPr>
+            <a:r>
+              <a:rPr lang="fr-FR"/>
+              <a:t>Backdoors</a:t>
+            </a:r>
+            <a:endParaRPr/>
+          </a:p>
+        </p:txBody>
+      </p:sp>
+    </p:spTree>
+  </p:cSld>
+</p:sld>
+</file>
+
+<file path=ppt/slides/slide7.xml><?xml version="1.0" encoding="utf-8"?>
+<p:sld xmlns:a="http://schemas.openxmlformats.org/drawingml/2006/main" xmlns:p="http://schemas.openxmlformats.org/presentationml/2006/main" xmlns:r="http://schemas.openxmlformats.org/officeDocument/2006/relationships">
+  <p:cSld>
+    <p:spTree>
+      <p:nvGrpSpPr>
+        <p:cNvPr id="1" name=""/>
+        <p:cNvGrpSpPr/>
+        <p:nvPr/>
+      </p:nvGrpSpPr>
+      <p:grpSpPr>
+        <a:xfrm>
+          <a:off x="0" y="0"/>
+          <a:ext cx="0" cy="0"/>
+          <a:chOff x="0" y="0"/>
+          <a:chExt cx="0" cy="0"/>
+        </a:xfrm>
+      </p:grpSpPr>
+      <p:sp>
+        <p:nvSpPr>
+          <p:cNvPr id="83" name="TextShape 1"/>
+          <p:cNvSpPr txBox="1"/>
+          <p:nvPr/>
+        </p:nvSpPr>
+        <p:spPr>
+          <a:xfrm>
+            <a:off x="1656000" y="2232000"/>
+            <a:ext cx="3600000" cy="602280"/>
+          </a:xfrm>
+          <a:prstGeom prst="rect">
+            <a:avLst/>
+          </a:prstGeom>
+        </p:spPr>
+        <p:txBody>
+          <a:bodyPr bIns="45000" lIns="90000" rIns="90000" tIns="45000" wrap="none"/>
+          <a:p>
+            <a:r>
+              <a:rPr lang="fr-FR"/>
+              <a:t>Whitebnox defintnition</a:t>
+            </a:r>
+            <a:endParaRPr/>
+          </a:p>
+          <a:p>
+            <a:endParaRPr/>
+          </a:p>
+        </p:txBody>
+      </p:sp>
+    </p:spTree>
+  </p:cSld>
+</p:sld>
+</file>
+
+<file path=ppt/slides/slide8.xml><?xml version="1.0" encoding="utf-8"?>
+<p:sld xmlns:a="http://schemas.openxmlformats.org/drawingml/2006/main" xmlns:p="http://schemas.openxmlformats.org/presentationml/2006/main" xmlns:r="http://schemas.openxmlformats.org/officeDocument/2006/relationships">
+  <p:cSld>
+    <p:spTree>
+      <p:nvGrpSpPr>
+        <p:cNvPr id="1" name=""/>
+        <p:cNvGrpSpPr/>
+        <p:nvPr/>
+      </p:nvGrpSpPr>
+      <p:grpSpPr>
+        <a:xfrm>
+          <a:off x="0" y="0"/>
+          <a:ext cx="0" cy="0"/>
+          <a:chOff x="0" y="0"/>
+          <a:chExt cx="0" cy="0"/>
+        </a:xfrm>
+      </p:grpSpPr>
+      <p:sp>
+        <p:nvSpPr>
+          <p:cNvPr id="84" name="CustomShape 1"/>
+          <p:cNvSpPr/>
+          <p:nvPr/>
+        </p:nvSpPr>
+        <p:spPr>
+          <a:xfrm>
+            <a:off x="685800" y="2130480"/>
+            <a:ext cx="7771320" cy="1468800"/>
+          </a:xfrm>
+          <a:prstGeom prst="rect">
+            <a:avLst/>
+          </a:prstGeom>
+          <a:noFill/>
+          <a:ln>
+            <a:noFill/>
+          </a:ln>
+        </p:spPr>
+      </p:sp>
+      <p:sp>
+        <p:nvSpPr>
+          <p:cNvPr id="85" name="CustomShape 2"/>
+          <p:cNvSpPr/>
+          <p:nvPr/>
+        </p:nvSpPr>
+        <p:spPr>
+          <a:xfrm>
+            <a:off x="457200" y="1604520"/>
+            <a:ext cx="8228520" cy="3976560"/>
+          </a:xfrm>
+          <a:prstGeom prst="rect">
+            <a:avLst/>
+          </a:prstGeom>
+          <a:noFill/>
+          <a:ln>
+            <a:noFill/>
+          </a:ln>
+        </p:spPr>
+        <p:txBody>
+          <a:bodyPr bIns="0" lIns="0" rIns="0" tIns="0" wrap="none"/>
+          <a:p>
+            <a:pPr>
+              <a:lnSpc>
+                <a:spcPct val="100000"/>
+              </a:lnSpc>
+              <a:buSzPct val="25000"/>
+              <a:buFont typeface="StarSymbol"/>
+              <a:buChar char="l"/>
+            </a:pPr>
+            <a:r>
+              <a:rPr lang="fr-FR"/>
+              <a:t>Concepts / DES</a:t>
+            </a:r>
+            <a:endParaRPr/>
+          </a:p>
+        </p:txBody>
+      </p:sp>
+      <p:sp>
+        <p:nvSpPr>
+          <p:cNvPr id="86" name="TextShape 3"/>
+          <p:cNvSpPr txBox="1"/>
+          <p:nvPr/>
+        </p:nvSpPr>
+        <p:spPr>
+          <a:xfrm>
+            <a:off x="720000" y="2304000"/>
+            <a:ext cx="4392000" cy="346320"/>
+          </a:xfrm>
+          <a:prstGeom prst="rect">
+            <a:avLst/>
+          </a:prstGeom>
+        </p:spPr>
+        <p:txBody>
+          <a:bodyPr bIns="45000" lIns="90000" rIns="90000" tIns="45000" wrap="none"/>
+          <a:p>
+            <a:r>
+              <a:rPr lang="fr-FR"/>
+              <a:t>Github/mimoo/DES</a:t>
+            </a:r>
+            <a:endParaRPr/>
+          </a:p>
+        </p:txBody>
+      </p:sp>
+      <p:sp>
+        <p:nvSpPr>
+          <p:cNvPr id="87" name="TextShape 4"/>
+          <p:cNvSpPr txBox="1"/>
+          <p:nvPr/>
+        </p:nvSpPr>
+        <p:spPr>
+          <a:xfrm>
+            <a:off x="864000" y="2952000"/>
+            <a:ext cx="4320000" cy="346320"/>
+          </a:xfrm>
+          <a:prstGeom prst="rect">
+            <a:avLst/>
+          </a:prstGeom>
+        </p:spPr>
+        <p:txBody>
+          <a:bodyPr bIns="45000" lIns="90000" rIns="90000" tIns="45000" wrap="none"/>
+          <a:p>
+            <a:r>
+              <a:rPr lang="fr-FR"/>
+              <a:t>Github/mimoo/whiteboxDES</a:t>
+            </a:r>
+            <a:endParaRPr/>
+          </a:p>
+        </p:txBody>
+      </p:sp>
+    </p:spTree>
+  </p:cSld>
+  <p:timing>
+    <p:tnLst>
+      <p:par>
+        <p:cTn dur="indefinite" id="5" nodeType="tmRoot" restart="never">
+          <p:childTnLst>
+            <p:seq>
+              <p:cTn id="6" nodeType="mainSeq"/>
+              <p:prevCondLst>
+                <p:cond delay="0" evt="onPrev">
+                  <p:tgtEl>
+                    <p:sldTgt/>
+                  </p:tgtEl>
+                </p:cond>
+              </p:prevCondLst>
+              <p:nextCondLst>
+                <p:cond delay="0" evt="onNext">
+                  <p:tgtEl>
+                    <p:sldTgt/>
+                  </p:tgtEl>
+                </p:cond>
+              </p:nextCondLst>
+            </p:seq>
+          </p:childTnLst>
+        </p:cTn>
+      </p:par>
+    </p:tnLst>
+  </p:timing>
+</p:sld>
+</file>
+
+<file path=ppt/slides/slide9.xml><?xml version="1.0" encoding="utf-8"?>
+<p:sld xmlns:a="http://schemas.openxmlformats.org/drawingml/2006/main" xmlns:p="http://schemas.openxmlformats.org/presentationml/2006/main" xmlns:r="http://schemas.openxmlformats.org/officeDocument/2006/relationships">
+  <p:cSld>
+    <p:spTree>
+      <p:nvGrpSpPr>
+        <p:cNvPr id="1" name=""/>
+        <p:cNvGrpSpPr/>
+        <p:nvPr/>
+      </p:nvGrpSpPr>
+      <p:grpSpPr>
+        <a:xfrm>
+          <a:off x="0" y="0"/>
+          <a:ext cx="0" cy="0"/>
+          <a:chOff x="0" y="0"/>
+          <a:chExt cx="0" cy="0"/>
+        </a:xfrm>
+      </p:grpSpPr>
+      <p:sp>
+        <p:nvSpPr>
+          <p:cNvPr id="88" name="CustomShape 1"/>
+          <p:cNvSpPr/>
+          <p:nvPr/>
+        </p:nvSpPr>
+        <p:spPr>
+          <a:xfrm>
+            <a:off x="685800" y="2130480"/>
+            <a:ext cx="7771320" cy="1468800"/>
+          </a:xfrm>
+          <a:prstGeom prst="rect">
+            <a:avLst/>
+          </a:prstGeom>
+          <a:noFill/>
+          <a:ln>
+            <a:noFill/>
+          </a:ln>
+        </p:spPr>
+      </p:sp>
+      <p:sp>
+        <p:nvSpPr>
+          <p:cNvPr id="89" name="CustomShape 2"/>
+          <p:cNvSpPr/>
+          <p:nvPr/>
+        </p:nvSpPr>
+        <p:spPr>
+          <a:xfrm>
+            <a:off x="457200" y="1604520"/>
+            <a:ext cx="8228520" cy="3976560"/>
+          </a:xfrm>
+          <a:prstGeom prst="rect">
+            <a:avLst/>
+          </a:prstGeom>
+          <a:noFill/>
+          <a:ln>
+            <a:noFill/>
+          </a:ln>
+        </p:spPr>
+        <p:txBody>
+          <a:bodyPr bIns="0" lIns="0" rIns="0" tIns="0" wrap="none"/>
+          <a:p>
+            <a:pPr>
+              <a:lnSpc>
+                <a:spcPct val="100000"/>
+              </a:lnSpc>
+              <a:buSzPct val="25000"/>
+              <a:buFont typeface="StarSymbol"/>
+              <a:buChar char="l"/>
+            </a:pPr>
+            <a:r>
+              <a:rPr lang="fr-FR"/>
+              <a:t>Partial Evaluation</a:t>
+            </a:r>
+            <a:endParaRPr/>
+          </a:p>
+        </p:txBody>
+      </p:sp>
+    </p:spTree>
+  </p:cSld>
 </p:sld>
 </file>
 
